--- a/3_Presentations/Sesion_3_Practica.pptx
+++ b/3_Presentations/Sesion_3_Practica.pptx
@@ -18,12 +18,13 @@
     <p:sldId id="284" r:id="rId12"/>
     <p:sldId id="287" r:id="rId13"/>
     <p:sldId id="289" r:id="rId14"/>
-    <p:sldId id="275" r:id="rId15"/>
-    <p:sldId id="302" r:id="rId16"/>
-    <p:sldId id="303" r:id="rId17"/>
-    <p:sldId id="296" r:id="rId18"/>
-    <p:sldId id="305" r:id="rId19"/>
-    <p:sldId id="306" r:id="rId20"/>
+    <p:sldId id="307" r:id="rId15"/>
+    <p:sldId id="275" r:id="rId16"/>
+    <p:sldId id="302" r:id="rId17"/>
+    <p:sldId id="303" r:id="rId18"/>
+    <p:sldId id="296" r:id="rId19"/>
+    <p:sldId id="305" r:id="rId20"/>
+    <p:sldId id="306" r:id="rId21"/>
   </p:sldIdLst>
   <p:sldSz cx="12192000" cy="6858000"/>
   <p:notesSz cx="6858000" cy="9144000"/>
@@ -512,7 +513,7 @@
           <a:p>
             <a:fld id="{4A42529D-B5B1-47E1-A19B-037CCFF42894}" type="datetimeFigureOut">
               <a:rPr lang="en-GB" smtClean="0"/>
-              <a:t>25/10/2021</a:t>
+              <a:t>26/10/2021</a:t>
             </a:fld>
             <a:endParaRPr lang="en-GB"/>
           </a:p>
@@ -698,7 +699,7 @@
           <a:p>
             <a:fld id="{4A42529D-B5B1-47E1-A19B-037CCFF42894}" type="datetimeFigureOut">
               <a:rPr lang="en-GB" smtClean="0"/>
-              <a:t>25/10/2021</a:t>
+              <a:t>26/10/2021</a:t>
             </a:fld>
             <a:endParaRPr lang="en-GB"/>
           </a:p>
@@ -894,7 +895,7 @@
           <a:p>
             <a:fld id="{4A42529D-B5B1-47E1-A19B-037CCFF42894}" type="datetimeFigureOut">
               <a:rPr lang="en-GB" smtClean="0"/>
-              <a:t>25/10/2021</a:t>
+              <a:t>26/10/2021</a:t>
             </a:fld>
             <a:endParaRPr lang="en-GB"/>
           </a:p>
@@ -2239,7 +2240,7 @@
           <a:p>
             <a:fld id="{4A42529D-B5B1-47E1-A19B-037CCFF42894}" type="datetimeFigureOut">
               <a:rPr lang="en-GB" smtClean="0"/>
-              <a:t>25/10/2021</a:t>
+              <a:t>26/10/2021</a:t>
             </a:fld>
             <a:endParaRPr lang="en-GB"/>
           </a:p>
@@ -2532,7 +2533,7 @@
           <a:p>
             <a:fld id="{4A42529D-B5B1-47E1-A19B-037CCFF42894}" type="datetimeFigureOut">
               <a:rPr lang="en-GB" smtClean="0"/>
-              <a:t>25/10/2021</a:t>
+              <a:t>26/10/2021</a:t>
             </a:fld>
             <a:endParaRPr lang="en-GB"/>
           </a:p>
@@ -3561,18 +3562,10 @@
           <a:lstStyle/>
           <a:p>
             <a:r>
-              <a:rPr lang="es-ES" dirty="0">
-                <a:highlight>
-                  <a:srgbClr val="FFFF00"/>
-                </a:highlight>
-              </a:rPr>
+              <a:rPr lang="es-ES" dirty="0"/>
               <a:t>Operativa básica [Script 1]</a:t>
             </a:r>
-            <a:endParaRPr lang="en-GB" dirty="0">
-              <a:highlight>
-                <a:srgbClr val="FFFF00"/>
-              </a:highlight>
-            </a:endParaRPr>
+            <a:endParaRPr lang="en-GB" dirty="0"/>
           </a:p>
         </p:txBody>
       </p:sp>
@@ -3609,22 +3602,14 @@
           </a:p>
           <a:p>
             <a:r>
-              <a:rPr lang="es-ES" dirty="0">
-                <a:highlight>
-                  <a:srgbClr val="FFFF00"/>
-                </a:highlight>
-              </a:rPr>
+              <a:rPr lang="es-ES" dirty="0"/>
               <a:t>4_Scripts</a:t>
             </a:r>
           </a:p>
           <a:p>
             <a:r>
-              <a:rPr lang="es-ES" dirty="0">
-                <a:highlight>
-                  <a:srgbClr val="FFFF00"/>
-                </a:highlight>
-              </a:rPr>
-              <a:t>Elegir Pr01_scrp901.R</a:t>
+              <a:rPr lang="es-ES" dirty="0"/>
+              <a:t>Elegir Pr01_scrp01.R</a:t>
             </a:r>
           </a:p>
           <a:p>
@@ -3760,88 +3745,45 @@
             </a:r>
           </a:p>
           <a:p>
-            <a:pPr marL="0" indent="0">
-              <a:buNone/>
+            <a:pPr marL="342900" indent="-342900">
+              <a:buAutoNum type="arabicPeriod"/>
             </a:pPr>
             <a:r>
-              <a:rPr lang="es-ES" sz="1600" dirty="0">
-                <a:highlight>
-                  <a:srgbClr val="FFFF00"/>
-                </a:highlight>
-              </a:rPr>
-              <a:t>1. Instalación y activación de librerías</a:t>
-            </a:r>
-          </a:p>
-          <a:p>
-            <a:pPr marL="0" indent="0">
-              <a:buNone/>
+              <a:rPr lang="es-ES" sz="1600" dirty="0"/>
+              <a:t>Apertura de 1 archivo climático</a:t>
+            </a:r>
+          </a:p>
+          <a:p>
+            <a:pPr marL="342900" indent="-342900">
+              <a:buAutoNum type="arabicPeriod"/>
             </a:pPr>
             <a:r>
-              <a:rPr lang="es-ES" sz="1600" dirty="0">
-                <a:highlight>
-                  <a:srgbClr val="FFFF00"/>
-                </a:highlight>
-              </a:rPr>
-              <a:t>2. Apertura de 1 archivo CSV</a:t>
-            </a:r>
-          </a:p>
-          <a:p>
-            <a:pPr marL="0" indent="0">
-              <a:buNone/>
+              <a:rPr lang="es-ES" sz="1600" dirty="0"/>
+              <a:t>Cálculo de Grados-día</a:t>
+            </a:r>
+          </a:p>
+          <a:p>
+            <a:pPr marL="342900" indent="-342900">
+              <a:buAutoNum type="arabicPeriod"/>
             </a:pPr>
             <a:r>
-              <a:rPr lang="es-ES" sz="1600" dirty="0">
-                <a:highlight>
-                  <a:srgbClr val="FFFF00"/>
-                </a:highlight>
-              </a:rPr>
-              <a:t>3. Calculo de </a:t>
-            </a:r>
-            <a:r>
-              <a:rPr lang="es-ES" sz="1600" dirty="0" err="1">
-                <a:highlight>
-                  <a:srgbClr val="FFFF00"/>
-                </a:highlight>
-              </a:rPr>
-              <a:t>Heating</a:t>
-            </a:r>
-            <a:r>
-              <a:rPr lang="es-ES" sz="1600" dirty="0">
-                <a:highlight>
-                  <a:srgbClr val="FFFF00"/>
-                </a:highlight>
-              </a:rPr>
-              <a:t> </a:t>
-            </a:r>
-            <a:r>
-              <a:rPr lang="es-ES" sz="1600" dirty="0" err="1">
-                <a:highlight>
-                  <a:srgbClr val="FFFF00"/>
-                </a:highlight>
-              </a:rPr>
-              <a:t>Degree</a:t>
-            </a:r>
-            <a:r>
-              <a:rPr lang="es-ES" sz="1600" dirty="0">
-                <a:highlight>
-                  <a:srgbClr val="FFFF00"/>
-                </a:highlight>
-              </a:rPr>
-              <a:t> </a:t>
-            </a:r>
-            <a:r>
-              <a:rPr lang="es-ES" sz="1600" dirty="0" err="1">
-                <a:highlight>
-                  <a:srgbClr val="FFFF00"/>
-                </a:highlight>
-              </a:rPr>
-              <a:t>Days</a:t>
-            </a:r>
-            <a:endParaRPr lang="en-GB" sz="11500" dirty="0">
-              <a:highlight>
-                <a:srgbClr val="FFFF00"/>
-              </a:highlight>
-            </a:endParaRPr>
+              <a:rPr lang="es-ES" sz="1600" dirty="0" err="1"/>
+              <a:t>Agreación</a:t>
+            </a:r>
+            <a:r>
+              <a:rPr lang="es-ES" sz="1600" dirty="0"/>
+              <a:t> mensual</a:t>
+            </a:r>
+          </a:p>
+          <a:p>
+            <a:pPr marL="342900" indent="-342900">
+              <a:buAutoNum type="arabicPeriod"/>
+            </a:pPr>
+            <a:r>
+              <a:rPr lang="es-ES" sz="1600" dirty="0" err="1"/>
+              <a:t>Graficación</a:t>
+            </a:r>
+            <a:endParaRPr lang="es-ES" sz="1600" dirty="0"/>
           </a:p>
         </p:txBody>
       </p:sp>
@@ -3859,6 +3801,98 @@
 </file>
 
 <file path=ppt/slides/slide14.xml><?xml version="1.0" encoding="utf-8"?>
+<p:sld xmlns:a="http://schemas.openxmlformats.org/drawingml/2006/main" xmlns:r="http://schemas.openxmlformats.org/officeDocument/2006/relationships" xmlns:p="http://schemas.openxmlformats.org/presentationml/2006/main">
+  <p:cSld>
+    <p:spTree>
+      <p:nvGrpSpPr>
+        <p:cNvPr id="1" name=""/>
+        <p:cNvGrpSpPr/>
+        <p:nvPr/>
+      </p:nvGrpSpPr>
+      <p:grpSpPr>
+        <a:xfrm>
+          <a:off x="0" y="0"/>
+          <a:ext cx="0" cy="0"/>
+          <a:chOff x="0" y="0"/>
+          <a:chExt cx="0" cy="0"/>
+        </a:xfrm>
+      </p:grpSpPr>
+      <p:sp>
+        <p:nvSpPr>
+          <p:cNvPr id="2" name="Título 1">
+            <a:extLst>
+              <a:ext uri="{FF2B5EF4-FFF2-40B4-BE49-F238E27FC236}">
+                <a16:creationId xmlns:a16="http://schemas.microsoft.com/office/drawing/2014/main" id="{78911189-F904-439D-BA2C-BFE40DEA1DE2}"/>
+              </a:ext>
+            </a:extLst>
+          </p:cNvPr>
+          <p:cNvSpPr>
+            <a:spLocks noGrp="1"/>
+          </p:cNvSpPr>
+          <p:nvPr>
+            <p:ph type="title"/>
+          </p:nvPr>
+        </p:nvSpPr>
+        <p:spPr/>
+        <p:txBody>
+          <a:bodyPr/>
+          <a:lstStyle/>
+          <a:p>
+            <a:r>
+              <a:rPr lang="es-ES" dirty="0" err="1">
+                <a:highlight>
+                  <a:srgbClr val="FFFF00"/>
+                </a:highlight>
+              </a:rPr>
+              <a:t>Aggregate</a:t>
+            </a:r>
+            <a:endParaRPr lang="es-ES" dirty="0">
+              <a:highlight>
+                <a:srgbClr val="FFFF00"/>
+              </a:highlight>
+            </a:endParaRPr>
+          </a:p>
+        </p:txBody>
+      </p:sp>
+      <p:sp>
+        <p:nvSpPr>
+          <p:cNvPr id="4" name="Marcador de contenido 3">
+            <a:extLst>
+              <a:ext uri="{FF2B5EF4-FFF2-40B4-BE49-F238E27FC236}">
+                <a16:creationId xmlns:a16="http://schemas.microsoft.com/office/drawing/2014/main" id="{A74D9D20-8892-42F1-AC0F-F5F07C391125}"/>
+              </a:ext>
+            </a:extLst>
+          </p:cNvPr>
+          <p:cNvSpPr>
+            <a:spLocks noGrp="1"/>
+          </p:cNvSpPr>
+          <p:nvPr>
+            <p:ph idx="1"/>
+          </p:nvPr>
+        </p:nvSpPr>
+        <p:spPr/>
+        <p:txBody>
+          <a:bodyPr/>
+          <a:lstStyle/>
+          <a:p>
+            <a:endParaRPr lang="es-ES"/>
+          </a:p>
+        </p:txBody>
+      </p:sp>
+    </p:spTree>
+    <p:extLst>
+      <p:ext uri="{BB962C8B-B14F-4D97-AF65-F5344CB8AC3E}">
+        <p14:creationId xmlns:p14="http://schemas.microsoft.com/office/powerpoint/2010/main" val="3187166277"/>
+      </p:ext>
+    </p:extLst>
+  </p:cSld>
+  <p:clrMapOvr>
+    <a:masterClrMapping/>
+  </p:clrMapOvr>
+</p:sld>
+</file>
+
+<file path=ppt/slides/slide15.xml><?xml version="1.0" encoding="utf-8"?>
 <p:sld xmlns:a="http://schemas.openxmlformats.org/drawingml/2006/main" xmlns:r="http://schemas.openxmlformats.org/officeDocument/2006/relationships" xmlns:p="http://schemas.openxmlformats.org/presentationml/2006/main">
   <p:cSld>
     <p:spTree>
@@ -3953,186 +3987,6 @@
 </p:sld>
 </file>
 
-<file path=ppt/slides/slide15.xml><?xml version="1.0" encoding="utf-8"?>
-<p:sld xmlns:a="http://schemas.openxmlformats.org/drawingml/2006/main" xmlns:r="http://schemas.openxmlformats.org/officeDocument/2006/relationships" xmlns:p="http://schemas.openxmlformats.org/presentationml/2006/main">
-  <p:cSld>
-    <p:spTree>
-      <p:nvGrpSpPr>
-        <p:cNvPr id="1" name=""/>
-        <p:cNvGrpSpPr/>
-        <p:nvPr/>
-      </p:nvGrpSpPr>
-      <p:grpSpPr>
-        <a:xfrm>
-          <a:off x="0" y="0"/>
-          <a:ext cx="0" cy="0"/>
-          <a:chOff x="0" y="0"/>
-          <a:chExt cx="0" cy="0"/>
-        </a:xfrm>
-      </p:grpSpPr>
-      <p:sp>
-        <p:nvSpPr>
-          <p:cNvPr id="2" name="Título 1">
-            <a:extLst>
-              <a:ext uri="{FF2B5EF4-FFF2-40B4-BE49-F238E27FC236}">
-                <a16:creationId xmlns:a16="http://schemas.microsoft.com/office/drawing/2014/main" id="{7AA7784B-A5CB-4BC9-BAD7-AC16D02BE565}"/>
-              </a:ext>
-            </a:extLst>
-          </p:cNvPr>
-          <p:cNvSpPr>
-            <a:spLocks noGrp="1"/>
-          </p:cNvSpPr>
-          <p:nvPr>
-            <p:ph type="title"/>
-          </p:nvPr>
-        </p:nvSpPr>
-        <p:spPr/>
-        <p:txBody>
-          <a:bodyPr/>
-          <a:lstStyle/>
-          <a:p>
-            <a:r>
-              <a:rPr lang="en-GB" dirty="0"/>
-              <a:t>PRISM </a:t>
-            </a:r>
-            <a:r>
-              <a:rPr lang="es-ES" dirty="0"/>
-              <a:t>[Script 2]</a:t>
-            </a:r>
-            <a:endParaRPr lang="en-GB" dirty="0"/>
-          </a:p>
-        </p:txBody>
-      </p:sp>
-      <p:sp>
-        <p:nvSpPr>
-          <p:cNvPr id="3" name="Marcador de contenido 2">
-            <a:extLst>
-              <a:ext uri="{FF2B5EF4-FFF2-40B4-BE49-F238E27FC236}">
-                <a16:creationId xmlns:a16="http://schemas.microsoft.com/office/drawing/2014/main" id="{52181411-16DD-4714-8888-AA3FCFE00BA5}"/>
-              </a:ext>
-            </a:extLst>
-          </p:cNvPr>
-          <p:cNvSpPr>
-            <a:spLocks noGrp="1"/>
-          </p:cNvSpPr>
-          <p:nvPr>
-            <p:ph idx="1"/>
-          </p:nvPr>
-        </p:nvSpPr>
-        <p:spPr/>
-        <p:txBody>
-          <a:bodyPr>
-            <a:normAutofit/>
-          </a:bodyPr>
-          <a:lstStyle/>
-          <a:p>
-            <a:pPr marL="0" indent="0">
-              <a:buNone/>
-            </a:pPr>
-            <a:r>
-              <a:rPr lang="es-ES" sz="11500" dirty="0"/>
-              <a:t>[SCRIPT2]</a:t>
-            </a:r>
-          </a:p>
-          <a:p>
-            <a:pPr marL="0" indent="0">
-              <a:buNone/>
-            </a:pPr>
-            <a:r>
-              <a:rPr lang="es-ES" sz="1600" dirty="0">
-                <a:highlight>
-                  <a:srgbClr val="FFFF00"/>
-                </a:highlight>
-              </a:rPr>
-              <a:t>1. Instalación y activación de librerías</a:t>
-            </a:r>
-          </a:p>
-          <a:p>
-            <a:pPr marL="0" indent="0">
-              <a:buNone/>
-            </a:pPr>
-            <a:r>
-              <a:rPr lang="es-ES" sz="1600" dirty="0">
-                <a:highlight>
-                  <a:srgbClr val="FFFF00"/>
-                </a:highlight>
-              </a:rPr>
-              <a:t>2. Apertura de 1 archivo CSV</a:t>
-            </a:r>
-          </a:p>
-          <a:p>
-            <a:pPr marL="0" indent="0">
-              <a:buNone/>
-            </a:pPr>
-            <a:r>
-              <a:rPr lang="es-ES" sz="1600" dirty="0">
-                <a:highlight>
-                  <a:srgbClr val="FFFF00"/>
-                </a:highlight>
-              </a:rPr>
-              <a:t>3. Calculo de </a:t>
-            </a:r>
-            <a:r>
-              <a:rPr lang="es-ES" sz="1600" dirty="0" err="1">
-                <a:highlight>
-                  <a:srgbClr val="FFFF00"/>
-                </a:highlight>
-              </a:rPr>
-              <a:t>Heating</a:t>
-            </a:r>
-            <a:r>
-              <a:rPr lang="es-ES" sz="1600" dirty="0">
-                <a:highlight>
-                  <a:srgbClr val="FFFF00"/>
-                </a:highlight>
-              </a:rPr>
-              <a:t> </a:t>
-            </a:r>
-            <a:r>
-              <a:rPr lang="es-ES" sz="1600" dirty="0" err="1">
-                <a:highlight>
-                  <a:srgbClr val="FFFF00"/>
-                </a:highlight>
-              </a:rPr>
-              <a:t>Degree</a:t>
-            </a:r>
-            <a:r>
-              <a:rPr lang="es-ES" sz="1600" dirty="0">
-                <a:highlight>
-                  <a:srgbClr val="FFFF00"/>
-                </a:highlight>
-              </a:rPr>
-              <a:t> </a:t>
-            </a:r>
-            <a:r>
-              <a:rPr lang="es-ES" sz="1600" dirty="0" err="1">
-                <a:highlight>
-                  <a:srgbClr val="FFFF00"/>
-                </a:highlight>
-              </a:rPr>
-              <a:t>Days</a:t>
-            </a:r>
-            <a:endParaRPr lang="en-GB" sz="11500" dirty="0">
-              <a:highlight>
-                <a:srgbClr val="FFFF00"/>
-              </a:highlight>
-            </a:endParaRPr>
-          </a:p>
-        </p:txBody>
-      </p:sp>
-    </p:spTree>
-    <p:extLst>
-      <p:ext uri="{BB962C8B-B14F-4D97-AF65-F5344CB8AC3E}">
-        <p14:creationId xmlns:p14="http://schemas.microsoft.com/office/powerpoint/2010/main" val="3946089998"/>
-      </p:ext>
-    </p:extLst>
-  </p:cSld>
-  <p:clrMapOvr>
-    <a:masterClrMapping/>
-  </p:clrMapOvr>
-</p:sld>
-</file>
-
 <file path=ppt/slides/slide16.xml><?xml version="1.0" encoding="utf-8"?>
 <p:sld xmlns:a="http://schemas.openxmlformats.org/drawingml/2006/main" xmlns:r="http://schemas.openxmlformats.org/officeDocument/2006/relationships" xmlns:p="http://schemas.openxmlformats.org/presentationml/2006/main">
   <p:cSld>
@@ -4173,6 +4027,186 @@
           <a:p>
             <a:r>
               <a:rPr lang="en-GB" dirty="0"/>
+              <a:t>PRISM </a:t>
+            </a:r>
+            <a:r>
+              <a:rPr lang="es-ES" dirty="0"/>
+              <a:t>[Script 2]</a:t>
+            </a:r>
+            <a:endParaRPr lang="en-GB" dirty="0"/>
+          </a:p>
+        </p:txBody>
+      </p:sp>
+      <p:sp>
+        <p:nvSpPr>
+          <p:cNvPr id="3" name="Marcador de contenido 2">
+            <a:extLst>
+              <a:ext uri="{FF2B5EF4-FFF2-40B4-BE49-F238E27FC236}">
+                <a16:creationId xmlns:a16="http://schemas.microsoft.com/office/drawing/2014/main" id="{52181411-16DD-4714-8888-AA3FCFE00BA5}"/>
+              </a:ext>
+            </a:extLst>
+          </p:cNvPr>
+          <p:cNvSpPr>
+            <a:spLocks noGrp="1"/>
+          </p:cNvSpPr>
+          <p:nvPr>
+            <p:ph idx="1"/>
+          </p:nvPr>
+        </p:nvSpPr>
+        <p:spPr/>
+        <p:txBody>
+          <a:bodyPr>
+            <a:normAutofit/>
+          </a:bodyPr>
+          <a:lstStyle/>
+          <a:p>
+            <a:pPr marL="0" indent="0">
+              <a:buNone/>
+            </a:pPr>
+            <a:r>
+              <a:rPr lang="es-ES" sz="11500" dirty="0"/>
+              <a:t>[SCRIPT2]</a:t>
+            </a:r>
+          </a:p>
+          <a:p>
+            <a:pPr marL="0" indent="0">
+              <a:buNone/>
+            </a:pPr>
+            <a:r>
+              <a:rPr lang="es-ES" sz="1600" dirty="0">
+                <a:highlight>
+                  <a:srgbClr val="FFFF00"/>
+                </a:highlight>
+              </a:rPr>
+              <a:t>1. Instalación y activación de librerías</a:t>
+            </a:r>
+          </a:p>
+          <a:p>
+            <a:pPr marL="0" indent="0">
+              <a:buNone/>
+            </a:pPr>
+            <a:r>
+              <a:rPr lang="es-ES" sz="1600" dirty="0">
+                <a:highlight>
+                  <a:srgbClr val="FFFF00"/>
+                </a:highlight>
+              </a:rPr>
+              <a:t>2. Apertura de 1 archivo CSV</a:t>
+            </a:r>
+          </a:p>
+          <a:p>
+            <a:pPr marL="0" indent="0">
+              <a:buNone/>
+            </a:pPr>
+            <a:r>
+              <a:rPr lang="es-ES" sz="1600" dirty="0">
+                <a:highlight>
+                  <a:srgbClr val="FFFF00"/>
+                </a:highlight>
+              </a:rPr>
+              <a:t>3. Calculo de </a:t>
+            </a:r>
+            <a:r>
+              <a:rPr lang="es-ES" sz="1600" dirty="0" err="1">
+                <a:highlight>
+                  <a:srgbClr val="FFFF00"/>
+                </a:highlight>
+              </a:rPr>
+              <a:t>Heating</a:t>
+            </a:r>
+            <a:r>
+              <a:rPr lang="es-ES" sz="1600" dirty="0">
+                <a:highlight>
+                  <a:srgbClr val="FFFF00"/>
+                </a:highlight>
+              </a:rPr>
+              <a:t> </a:t>
+            </a:r>
+            <a:r>
+              <a:rPr lang="es-ES" sz="1600" dirty="0" err="1">
+                <a:highlight>
+                  <a:srgbClr val="FFFF00"/>
+                </a:highlight>
+              </a:rPr>
+              <a:t>Degree</a:t>
+            </a:r>
+            <a:r>
+              <a:rPr lang="es-ES" sz="1600" dirty="0">
+                <a:highlight>
+                  <a:srgbClr val="FFFF00"/>
+                </a:highlight>
+              </a:rPr>
+              <a:t> </a:t>
+            </a:r>
+            <a:r>
+              <a:rPr lang="es-ES" sz="1600" dirty="0" err="1">
+                <a:highlight>
+                  <a:srgbClr val="FFFF00"/>
+                </a:highlight>
+              </a:rPr>
+              <a:t>Days</a:t>
+            </a:r>
+            <a:endParaRPr lang="en-GB" sz="11500" dirty="0">
+              <a:highlight>
+                <a:srgbClr val="FFFF00"/>
+              </a:highlight>
+            </a:endParaRPr>
+          </a:p>
+        </p:txBody>
+      </p:sp>
+    </p:spTree>
+    <p:extLst>
+      <p:ext uri="{BB962C8B-B14F-4D97-AF65-F5344CB8AC3E}">
+        <p14:creationId xmlns:p14="http://schemas.microsoft.com/office/powerpoint/2010/main" val="3946089998"/>
+      </p:ext>
+    </p:extLst>
+  </p:cSld>
+  <p:clrMapOvr>
+    <a:masterClrMapping/>
+  </p:clrMapOvr>
+</p:sld>
+</file>
+
+<file path=ppt/slides/slide17.xml><?xml version="1.0" encoding="utf-8"?>
+<p:sld xmlns:a="http://schemas.openxmlformats.org/drawingml/2006/main" xmlns:r="http://schemas.openxmlformats.org/officeDocument/2006/relationships" xmlns:p="http://schemas.openxmlformats.org/presentationml/2006/main">
+  <p:cSld>
+    <p:spTree>
+      <p:nvGrpSpPr>
+        <p:cNvPr id="1" name=""/>
+        <p:cNvGrpSpPr/>
+        <p:nvPr/>
+      </p:nvGrpSpPr>
+      <p:grpSpPr>
+        <a:xfrm>
+          <a:off x="0" y="0"/>
+          <a:ext cx="0" cy="0"/>
+          <a:chOff x="0" y="0"/>
+          <a:chExt cx="0" cy="0"/>
+        </a:xfrm>
+      </p:grpSpPr>
+      <p:sp>
+        <p:nvSpPr>
+          <p:cNvPr id="2" name="Título 1">
+            <a:extLst>
+              <a:ext uri="{FF2B5EF4-FFF2-40B4-BE49-F238E27FC236}">
+                <a16:creationId xmlns:a16="http://schemas.microsoft.com/office/drawing/2014/main" id="{7AA7784B-A5CB-4BC9-BAD7-AC16D02BE565}"/>
+              </a:ext>
+            </a:extLst>
+          </p:cNvPr>
+          <p:cNvSpPr>
+            <a:spLocks noGrp="1"/>
+          </p:cNvSpPr>
+          <p:nvPr>
+            <p:ph type="title"/>
+          </p:nvPr>
+        </p:nvSpPr>
+        <p:spPr/>
+        <p:txBody>
+          <a:bodyPr/>
+          <a:lstStyle/>
+          <a:p>
+            <a:r>
+              <a:rPr lang="en-GB" dirty="0"/>
               <a:t>ASHRAE Changepoint </a:t>
             </a:r>
             <a:r>
@@ -4313,7 +4347,7 @@
 </p:sld>
 </file>
 
-<file path=ppt/slides/slide17.xml><?xml version="1.0" encoding="utf-8"?>
+<file path=ppt/slides/slide18.xml><?xml version="1.0" encoding="utf-8"?>
 <p:sld xmlns:a="http://schemas.openxmlformats.org/drawingml/2006/main" xmlns:r="http://schemas.openxmlformats.org/officeDocument/2006/relationships" xmlns:p="http://schemas.openxmlformats.org/presentationml/2006/main">
   <p:cSld>
     <p:spTree>
@@ -4408,106 +4442,6 @@
 </p:sld>
 </file>
 
-<file path=ppt/slides/slide18.xml><?xml version="1.0" encoding="utf-8"?>
-<p:sld xmlns:a="http://schemas.openxmlformats.org/drawingml/2006/main" xmlns:r="http://schemas.openxmlformats.org/officeDocument/2006/relationships" xmlns:p="http://schemas.openxmlformats.org/presentationml/2006/main">
-  <p:cSld>
-    <p:spTree>
-      <p:nvGrpSpPr>
-        <p:cNvPr id="1" name=""/>
-        <p:cNvGrpSpPr/>
-        <p:nvPr/>
-      </p:nvGrpSpPr>
-      <p:grpSpPr>
-        <a:xfrm>
-          <a:off x="0" y="0"/>
-          <a:ext cx="0" cy="0"/>
-          <a:chOff x="0" y="0"/>
-          <a:chExt cx="0" cy="0"/>
-        </a:xfrm>
-      </p:grpSpPr>
-      <p:sp>
-        <p:nvSpPr>
-          <p:cNvPr id="2" name="Título 1">
-            <a:extLst>
-              <a:ext uri="{FF2B5EF4-FFF2-40B4-BE49-F238E27FC236}">
-                <a16:creationId xmlns:a16="http://schemas.microsoft.com/office/drawing/2014/main" id="{7AA7784B-A5CB-4BC9-BAD7-AC16D02BE565}"/>
-              </a:ext>
-            </a:extLst>
-          </p:cNvPr>
-          <p:cNvSpPr>
-            <a:spLocks noGrp="1"/>
-          </p:cNvSpPr>
-          <p:nvPr>
-            <p:ph type="title"/>
-          </p:nvPr>
-        </p:nvSpPr>
-        <p:spPr/>
-        <p:txBody>
-          <a:bodyPr/>
-          <a:lstStyle/>
-          <a:p>
-            <a:r>
-              <a:rPr lang="en-GB" dirty="0"/>
-              <a:t>Variables </a:t>
-            </a:r>
-            <a:r>
-              <a:rPr lang="en-GB" dirty="0" err="1"/>
-              <a:t>Relevantes</a:t>
-            </a:r>
-            <a:endParaRPr lang="en-GB" dirty="0"/>
-          </a:p>
-        </p:txBody>
-      </p:sp>
-      <p:sp>
-        <p:nvSpPr>
-          <p:cNvPr id="3" name="Marcador de contenido 2">
-            <a:extLst>
-              <a:ext uri="{FF2B5EF4-FFF2-40B4-BE49-F238E27FC236}">
-                <a16:creationId xmlns:a16="http://schemas.microsoft.com/office/drawing/2014/main" id="{52181411-16DD-4714-8888-AA3FCFE00BA5}"/>
-              </a:ext>
-            </a:extLst>
-          </p:cNvPr>
-          <p:cNvSpPr>
-            <a:spLocks noGrp="1"/>
-          </p:cNvSpPr>
-          <p:nvPr>
-            <p:ph idx="1"/>
-          </p:nvPr>
-        </p:nvSpPr>
-        <p:spPr/>
-        <p:txBody>
-          <a:bodyPr>
-            <a:normAutofit/>
-          </a:bodyPr>
-          <a:lstStyle/>
-          <a:p>
-            <a:pPr marL="0" indent="0">
-              <a:buNone/>
-            </a:pPr>
-            <a:r>
-              <a:rPr lang="es-ES" sz="11500" dirty="0">
-                <a:highlight>
-                  <a:srgbClr val="FFFF00"/>
-                </a:highlight>
-              </a:rPr>
-              <a:t>TEORIA</a:t>
-            </a:r>
-          </a:p>
-        </p:txBody>
-      </p:sp>
-    </p:spTree>
-    <p:extLst>
-      <p:ext uri="{BB962C8B-B14F-4D97-AF65-F5344CB8AC3E}">
-        <p14:creationId xmlns:p14="http://schemas.microsoft.com/office/powerpoint/2010/main" val="4210259360"/>
-      </p:ext>
-    </p:extLst>
-  </p:cSld>
-  <p:clrMapOvr>
-    <a:masterClrMapping/>
-  </p:clrMapOvr>
-</p:sld>
-</file>
-
 <file path=ppt/slides/slide19.xml><?xml version="1.0" encoding="utf-8"?>
 <p:sld xmlns:a="http://schemas.openxmlformats.org/drawingml/2006/main" xmlns:r="http://schemas.openxmlformats.org/officeDocument/2006/relationships" xmlns:p="http://schemas.openxmlformats.org/presentationml/2006/main">
   <p:cSld>
@@ -4554,14 +4488,6 @@
               <a:rPr lang="en-GB" dirty="0" err="1"/>
               <a:t>Relevantes</a:t>
             </a:r>
-            <a:r>
-              <a:rPr lang="en-GB" dirty="0"/>
-              <a:t> </a:t>
-            </a:r>
-            <a:r>
-              <a:rPr lang="es-ES" dirty="0"/>
-              <a:t>[Script 4]</a:t>
-            </a:r>
             <a:endParaRPr lang="en-GB" dirty="0"/>
           </a:p>
         </p:txBody>
@@ -4593,100 +4519,20 @@
               <a:buNone/>
             </a:pPr>
             <a:r>
-              <a:rPr lang="es-ES" sz="11500" dirty="0"/>
-              <a:t>[SCRIPT4]</a:t>
-            </a:r>
-          </a:p>
-          <a:p>
-            <a:pPr marL="0" indent="0">
-              <a:buNone/>
-            </a:pPr>
-            <a:r>
-              <a:rPr lang="es-ES" sz="1600" dirty="0">
+              <a:rPr lang="es-ES" sz="11500" dirty="0">
                 <a:highlight>
                   <a:srgbClr val="FFFF00"/>
                 </a:highlight>
               </a:rPr>
-              <a:t>1. Instalación y activación de librerías</a:t>
-            </a:r>
-          </a:p>
-          <a:p>
-            <a:pPr marL="0" indent="0">
-              <a:buNone/>
-            </a:pPr>
-            <a:r>
-              <a:rPr lang="es-ES" sz="1600" dirty="0">
-                <a:highlight>
-                  <a:srgbClr val="FFFF00"/>
-                </a:highlight>
-              </a:rPr>
-              <a:t>2. Apertura de 1 archivo CSV</a:t>
-            </a:r>
-          </a:p>
-          <a:p>
-            <a:pPr marL="0" indent="0">
-              <a:buNone/>
-            </a:pPr>
-            <a:r>
-              <a:rPr lang="es-ES" sz="1600" dirty="0">
-                <a:highlight>
-                  <a:srgbClr val="FFFF00"/>
-                </a:highlight>
-              </a:rPr>
-              <a:t>3. Calculo de </a:t>
-            </a:r>
-            <a:r>
-              <a:rPr lang="es-ES" sz="1600" dirty="0" err="1">
-                <a:highlight>
-                  <a:srgbClr val="FFFF00"/>
-                </a:highlight>
-              </a:rPr>
-              <a:t>Heating</a:t>
-            </a:r>
-            <a:r>
-              <a:rPr lang="es-ES" sz="1600" dirty="0">
-                <a:highlight>
-                  <a:srgbClr val="FFFF00"/>
-                </a:highlight>
-              </a:rPr>
-              <a:t> </a:t>
-            </a:r>
-            <a:r>
-              <a:rPr lang="es-ES" sz="1600" dirty="0" err="1">
-                <a:highlight>
-                  <a:srgbClr val="FFFF00"/>
-                </a:highlight>
-              </a:rPr>
-              <a:t>Degree</a:t>
-            </a:r>
-            <a:r>
-              <a:rPr lang="es-ES" sz="1600" dirty="0">
-                <a:highlight>
-                  <a:srgbClr val="FFFF00"/>
-                </a:highlight>
-              </a:rPr>
-              <a:t> </a:t>
-            </a:r>
-            <a:r>
-              <a:rPr lang="es-ES" sz="1600" dirty="0" err="1">
-                <a:highlight>
-                  <a:srgbClr val="FFFF00"/>
-                </a:highlight>
-              </a:rPr>
-              <a:t>Days</a:t>
-            </a:r>
-            <a:endParaRPr lang="en-GB" sz="11500" dirty="0">
-              <a:highlight>
-                <a:srgbClr val="FFFF00"/>
-              </a:highlight>
-            </a:endParaRPr>
+              <a:t>TEORIA</a:t>
+            </a:r>
           </a:p>
         </p:txBody>
       </p:sp>
     </p:spTree>
     <p:extLst>
       <p:ext uri="{BB962C8B-B14F-4D97-AF65-F5344CB8AC3E}">
-        <p14:creationId xmlns:p14="http://schemas.microsoft.com/office/powerpoint/2010/main" val="4188609546"/>
+        <p14:creationId xmlns:p14="http://schemas.microsoft.com/office/powerpoint/2010/main" val="4210259360"/>
       </p:ext>
     </p:extLst>
   </p:cSld>
@@ -4814,6 +4660,194 @@
     <p:extLst>
       <p:ext uri="{BB962C8B-B14F-4D97-AF65-F5344CB8AC3E}">
         <p14:creationId xmlns:p14="http://schemas.microsoft.com/office/powerpoint/2010/main" val="3572222528"/>
+      </p:ext>
+    </p:extLst>
+  </p:cSld>
+  <p:clrMapOvr>
+    <a:masterClrMapping/>
+  </p:clrMapOvr>
+</p:sld>
+</file>
+
+<file path=ppt/slides/slide20.xml><?xml version="1.0" encoding="utf-8"?>
+<p:sld xmlns:a="http://schemas.openxmlformats.org/drawingml/2006/main" xmlns:r="http://schemas.openxmlformats.org/officeDocument/2006/relationships" xmlns:p="http://schemas.openxmlformats.org/presentationml/2006/main">
+  <p:cSld>
+    <p:spTree>
+      <p:nvGrpSpPr>
+        <p:cNvPr id="1" name=""/>
+        <p:cNvGrpSpPr/>
+        <p:nvPr/>
+      </p:nvGrpSpPr>
+      <p:grpSpPr>
+        <a:xfrm>
+          <a:off x="0" y="0"/>
+          <a:ext cx="0" cy="0"/>
+          <a:chOff x="0" y="0"/>
+          <a:chExt cx="0" cy="0"/>
+        </a:xfrm>
+      </p:grpSpPr>
+      <p:sp>
+        <p:nvSpPr>
+          <p:cNvPr id="2" name="Título 1">
+            <a:extLst>
+              <a:ext uri="{FF2B5EF4-FFF2-40B4-BE49-F238E27FC236}">
+                <a16:creationId xmlns:a16="http://schemas.microsoft.com/office/drawing/2014/main" id="{7AA7784B-A5CB-4BC9-BAD7-AC16D02BE565}"/>
+              </a:ext>
+            </a:extLst>
+          </p:cNvPr>
+          <p:cNvSpPr>
+            <a:spLocks noGrp="1"/>
+          </p:cNvSpPr>
+          <p:nvPr>
+            <p:ph type="title"/>
+          </p:nvPr>
+        </p:nvSpPr>
+        <p:spPr/>
+        <p:txBody>
+          <a:bodyPr/>
+          <a:lstStyle/>
+          <a:p>
+            <a:r>
+              <a:rPr lang="en-GB" dirty="0"/>
+              <a:t>Variables </a:t>
+            </a:r>
+            <a:r>
+              <a:rPr lang="en-GB" dirty="0" err="1"/>
+              <a:t>Relevantes</a:t>
+            </a:r>
+            <a:r>
+              <a:rPr lang="en-GB" dirty="0"/>
+              <a:t> </a:t>
+            </a:r>
+            <a:r>
+              <a:rPr lang="es-ES" dirty="0"/>
+              <a:t>[Script 4]</a:t>
+            </a:r>
+            <a:endParaRPr lang="en-GB" dirty="0"/>
+          </a:p>
+        </p:txBody>
+      </p:sp>
+      <p:sp>
+        <p:nvSpPr>
+          <p:cNvPr id="3" name="Marcador de contenido 2">
+            <a:extLst>
+              <a:ext uri="{FF2B5EF4-FFF2-40B4-BE49-F238E27FC236}">
+                <a16:creationId xmlns:a16="http://schemas.microsoft.com/office/drawing/2014/main" id="{52181411-16DD-4714-8888-AA3FCFE00BA5}"/>
+              </a:ext>
+            </a:extLst>
+          </p:cNvPr>
+          <p:cNvSpPr>
+            <a:spLocks noGrp="1"/>
+          </p:cNvSpPr>
+          <p:nvPr>
+            <p:ph idx="1"/>
+          </p:nvPr>
+        </p:nvSpPr>
+        <p:spPr/>
+        <p:txBody>
+          <a:bodyPr>
+            <a:normAutofit/>
+          </a:bodyPr>
+          <a:lstStyle/>
+          <a:p>
+            <a:pPr marL="0" indent="0">
+              <a:buNone/>
+            </a:pPr>
+            <a:r>
+              <a:rPr lang="es-ES" sz="11500" dirty="0"/>
+              <a:t>[SCRIPT4]</a:t>
+            </a:r>
+          </a:p>
+          <a:p>
+            <a:pPr marL="0" indent="0">
+              <a:buNone/>
+            </a:pPr>
+            <a:r>
+              <a:rPr lang="es-ES" sz="1600" dirty="0">
+                <a:highlight>
+                  <a:srgbClr val="FFFF00"/>
+                </a:highlight>
+              </a:rPr>
+              <a:t>1. Instalación y activación de librerías</a:t>
+            </a:r>
+          </a:p>
+          <a:p>
+            <a:pPr marL="0" indent="0">
+              <a:buNone/>
+            </a:pPr>
+            <a:r>
+              <a:rPr lang="es-ES" sz="1600" dirty="0">
+                <a:highlight>
+                  <a:srgbClr val="FFFF00"/>
+                </a:highlight>
+              </a:rPr>
+              <a:t>2. Apertura de 1 archivo CSV</a:t>
+            </a:r>
+          </a:p>
+          <a:p>
+            <a:pPr marL="0" indent="0">
+              <a:buNone/>
+            </a:pPr>
+            <a:r>
+              <a:rPr lang="es-ES" sz="1600" dirty="0">
+                <a:highlight>
+                  <a:srgbClr val="FFFF00"/>
+                </a:highlight>
+              </a:rPr>
+              <a:t>3. Calculo de </a:t>
+            </a:r>
+            <a:r>
+              <a:rPr lang="es-ES" sz="1600" dirty="0" err="1">
+                <a:highlight>
+                  <a:srgbClr val="FFFF00"/>
+                </a:highlight>
+              </a:rPr>
+              <a:t>Heating</a:t>
+            </a:r>
+            <a:r>
+              <a:rPr lang="es-ES" sz="1600" dirty="0">
+                <a:highlight>
+                  <a:srgbClr val="FFFF00"/>
+                </a:highlight>
+              </a:rPr>
+              <a:t> </a:t>
+            </a:r>
+            <a:r>
+              <a:rPr lang="es-ES" sz="1600" dirty="0" err="1">
+                <a:highlight>
+                  <a:srgbClr val="FFFF00"/>
+                </a:highlight>
+              </a:rPr>
+              <a:t>Degree</a:t>
+            </a:r>
+            <a:r>
+              <a:rPr lang="es-ES" sz="1600" dirty="0">
+                <a:highlight>
+                  <a:srgbClr val="FFFF00"/>
+                </a:highlight>
+              </a:rPr>
+              <a:t> </a:t>
+            </a:r>
+            <a:r>
+              <a:rPr lang="es-ES" sz="1600" dirty="0" err="1">
+                <a:highlight>
+                  <a:srgbClr val="FFFF00"/>
+                </a:highlight>
+              </a:rPr>
+              <a:t>Days</a:t>
+            </a:r>
+            <a:endParaRPr lang="en-GB" sz="11500" dirty="0">
+              <a:highlight>
+                <a:srgbClr val="FFFF00"/>
+              </a:highlight>
+            </a:endParaRPr>
+          </a:p>
+        </p:txBody>
+      </p:sp>
+    </p:spTree>
+    <p:extLst>
+      <p:ext uri="{BB962C8B-B14F-4D97-AF65-F5344CB8AC3E}">
+        <p14:creationId xmlns:p14="http://schemas.microsoft.com/office/powerpoint/2010/main" val="4188609546"/>
       </p:ext>
     </p:extLst>
   </p:cSld>

--- a/3_Presentations/Sesion_3_Practica.pptx
+++ b/3_Presentations/Sesion_3_Practica.pptx
@@ -21,10 +21,14 @@
     <p:sldId id="307" r:id="rId15"/>
     <p:sldId id="275" r:id="rId16"/>
     <p:sldId id="302" r:id="rId17"/>
-    <p:sldId id="303" r:id="rId18"/>
-    <p:sldId id="296" r:id="rId19"/>
-    <p:sldId id="305" r:id="rId20"/>
-    <p:sldId id="306" r:id="rId21"/>
+    <p:sldId id="308" r:id="rId18"/>
+    <p:sldId id="309" r:id="rId19"/>
+    <p:sldId id="310" r:id="rId20"/>
+    <p:sldId id="311" r:id="rId21"/>
+    <p:sldId id="303" r:id="rId22"/>
+    <p:sldId id="296" r:id="rId23"/>
+    <p:sldId id="305" r:id="rId24"/>
+    <p:sldId id="306" r:id="rId25"/>
   </p:sldIdLst>
   <p:sldSz cx="12192000" cy="6858000"/>
   <p:notesSz cx="6858000" cy="9144000"/>
@@ -3846,11 +3850,14 @@
               </a:rPr>
               <a:t>Aggregate</a:t>
             </a:r>
-            <a:endParaRPr lang="es-ES" dirty="0">
-              <a:highlight>
-                <a:srgbClr val="FFFF00"/>
-              </a:highlight>
-            </a:endParaRPr>
+            <a:r>
+              <a:rPr lang="es-ES" dirty="0">
+                <a:highlight>
+                  <a:srgbClr val="FFFF00"/>
+                </a:highlight>
+              </a:rPr>
+              <a:t>()</a:t>
+            </a:r>
           </a:p>
         </p:txBody>
       </p:sp>
@@ -4189,6 +4196,489 @@
           <p:cNvPr id="2" name="Título 1">
             <a:extLst>
               <a:ext uri="{FF2B5EF4-FFF2-40B4-BE49-F238E27FC236}">
+                <a16:creationId xmlns:a16="http://schemas.microsoft.com/office/drawing/2014/main" id="{78911189-F904-439D-BA2C-BFE40DEA1DE2}"/>
+              </a:ext>
+            </a:extLst>
+          </p:cNvPr>
+          <p:cNvSpPr>
+            <a:spLocks noGrp="1"/>
+          </p:cNvSpPr>
+          <p:nvPr>
+            <p:ph type="title"/>
+          </p:nvPr>
+        </p:nvSpPr>
+        <p:spPr/>
+        <p:txBody>
+          <a:bodyPr/>
+          <a:lstStyle/>
+          <a:p>
+            <a:r>
+              <a:rPr lang="es-ES" dirty="0">
+                <a:highlight>
+                  <a:srgbClr val="FFFF00"/>
+                </a:highlight>
+              </a:rPr>
+              <a:t>Lm()</a:t>
+            </a:r>
+          </a:p>
+        </p:txBody>
+      </p:sp>
+      <p:sp>
+        <p:nvSpPr>
+          <p:cNvPr id="4" name="Marcador de contenido 3">
+            <a:extLst>
+              <a:ext uri="{FF2B5EF4-FFF2-40B4-BE49-F238E27FC236}">
+                <a16:creationId xmlns:a16="http://schemas.microsoft.com/office/drawing/2014/main" id="{A74D9D20-8892-42F1-AC0F-F5F07C391125}"/>
+              </a:ext>
+            </a:extLst>
+          </p:cNvPr>
+          <p:cNvSpPr>
+            <a:spLocks noGrp="1"/>
+          </p:cNvSpPr>
+          <p:nvPr>
+            <p:ph idx="1"/>
+          </p:nvPr>
+        </p:nvSpPr>
+        <p:spPr/>
+        <p:txBody>
+          <a:bodyPr/>
+          <a:lstStyle/>
+          <a:p>
+            <a:endParaRPr lang="es-ES"/>
+          </a:p>
+        </p:txBody>
+      </p:sp>
+    </p:spTree>
+    <p:extLst>
+      <p:ext uri="{BB962C8B-B14F-4D97-AF65-F5344CB8AC3E}">
+        <p14:creationId xmlns:p14="http://schemas.microsoft.com/office/powerpoint/2010/main" val="2001233870"/>
+      </p:ext>
+    </p:extLst>
+  </p:cSld>
+  <p:clrMapOvr>
+    <a:masterClrMapping/>
+  </p:clrMapOvr>
+</p:sld>
+</file>
+
+<file path=ppt/slides/slide18.xml><?xml version="1.0" encoding="utf-8"?>
+<p:sld xmlns:a="http://schemas.openxmlformats.org/drawingml/2006/main" xmlns:r="http://schemas.openxmlformats.org/officeDocument/2006/relationships" xmlns:p="http://schemas.openxmlformats.org/presentationml/2006/main">
+  <p:cSld>
+    <p:spTree>
+      <p:nvGrpSpPr>
+        <p:cNvPr id="1" name=""/>
+        <p:cNvGrpSpPr/>
+        <p:nvPr/>
+      </p:nvGrpSpPr>
+      <p:grpSpPr>
+        <a:xfrm>
+          <a:off x="0" y="0"/>
+          <a:ext cx="0" cy="0"/>
+          <a:chOff x="0" y="0"/>
+          <a:chExt cx="0" cy="0"/>
+        </a:xfrm>
+      </p:grpSpPr>
+      <p:sp>
+        <p:nvSpPr>
+          <p:cNvPr id="2" name="Título 1">
+            <a:extLst>
+              <a:ext uri="{FF2B5EF4-FFF2-40B4-BE49-F238E27FC236}">
+                <a16:creationId xmlns:a16="http://schemas.microsoft.com/office/drawing/2014/main" id="{78911189-F904-439D-BA2C-BFE40DEA1DE2}"/>
+              </a:ext>
+            </a:extLst>
+          </p:cNvPr>
+          <p:cNvSpPr>
+            <a:spLocks noGrp="1"/>
+          </p:cNvSpPr>
+          <p:nvPr>
+            <p:ph type="title"/>
+          </p:nvPr>
+        </p:nvSpPr>
+        <p:spPr/>
+        <p:txBody>
+          <a:bodyPr/>
+          <a:lstStyle/>
+          <a:p>
+            <a:r>
+              <a:rPr lang="es-ES" dirty="0">
+                <a:highlight>
+                  <a:srgbClr val="FFFF00"/>
+                </a:highlight>
+              </a:rPr>
+              <a:t>Grafica Q-Q</a:t>
+            </a:r>
+          </a:p>
+        </p:txBody>
+      </p:sp>
+      <p:sp>
+        <p:nvSpPr>
+          <p:cNvPr id="4" name="Marcador de contenido 3">
+            <a:extLst>
+              <a:ext uri="{FF2B5EF4-FFF2-40B4-BE49-F238E27FC236}">
+                <a16:creationId xmlns:a16="http://schemas.microsoft.com/office/drawing/2014/main" id="{A74D9D20-8892-42F1-AC0F-F5F07C391125}"/>
+              </a:ext>
+            </a:extLst>
+          </p:cNvPr>
+          <p:cNvSpPr>
+            <a:spLocks noGrp="1"/>
+          </p:cNvSpPr>
+          <p:nvPr>
+            <p:ph idx="1"/>
+          </p:nvPr>
+        </p:nvSpPr>
+        <p:spPr/>
+        <p:txBody>
+          <a:bodyPr/>
+          <a:lstStyle/>
+          <a:p>
+            <a:endParaRPr lang="es-ES"/>
+          </a:p>
+        </p:txBody>
+      </p:sp>
+    </p:spTree>
+    <p:extLst>
+      <p:ext uri="{BB962C8B-B14F-4D97-AF65-F5344CB8AC3E}">
+        <p14:creationId xmlns:p14="http://schemas.microsoft.com/office/powerpoint/2010/main" val="2626982128"/>
+      </p:ext>
+    </p:extLst>
+  </p:cSld>
+  <p:clrMapOvr>
+    <a:masterClrMapping/>
+  </p:clrMapOvr>
+</p:sld>
+</file>
+
+<file path=ppt/slides/slide19.xml><?xml version="1.0" encoding="utf-8"?>
+<p:sld xmlns:a="http://schemas.openxmlformats.org/drawingml/2006/main" xmlns:r="http://schemas.openxmlformats.org/officeDocument/2006/relationships" xmlns:p="http://schemas.openxmlformats.org/presentationml/2006/main">
+  <p:cSld>
+    <p:spTree>
+      <p:nvGrpSpPr>
+        <p:cNvPr id="1" name=""/>
+        <p:cNvGrpSpPr/>
+        <p:nvPr/>
+      </p:nvGrpSpPr>
+      <p:grpSpPr>
+        <a:xfrm>
+          <a:off x="0" y="0"/>
+          <a:ext cx="0" cy="0"/>
+          <a:chOff x="0" y="0"/>
+          <a:chExt cx="0" cy="0"/>
+        </a:xfrm>
+      </p:grpSpPr>
+      <p:sp>
+        <p:nvSpPr>
+          <p:cNvPr id="2" name="Título 1">
+            <a:extLst>
+              <a:ext uri="{FF2B5EF4-FFF2-40B4-BE49-F238E27FC236}">
+                <a16:creationId xmlns:a16="http://schemas.microsoft.com/office/drawing/2014/main" id="{AFEC74DB-4F8A-4CFB-BDF7-DDAB57C0E44C}"/>
+              </a:ext>
+            </a:extLst>
+          </p:cNvPr>
+          <p:cNvSpPr>
+            <a:spLocks noGrp="1"/>
+          </p:cNvSpPr>
+          <p:nvPr>
+            <p:ph type="title"/>
+          </p:nvPr>
+        </p:nvSpPr>
+        <p:spPr/>
+        <p:txBody>
+          <a:bodyPr/>
+          <a:lstStyle/>
+          <a:p>
+            <a:r>
+              <a:rPr lang="es-ES" dirty="0">
+                <a:highlight>
+                  <a:srgbClr val="FFFF00"/>
+                </a:highlight>
+              </a:rPr>
+              <a:t>Grafica Q-t</a:t>
+            </a:r>
+          </a:p>
+        </p:txBody>
+      </p:sp>
+      <p:sp>
+        <p:nvSpPr>
+          <p:cNvPr id="3" name="Marcador de contenido 2">
+            <a:extLst>
+              <a:ext uri="{FF2B5EF4-FFF2-40B4-BE49-F238E27FC236}">
+                <a16:creationId xmlns:a16="http://schemas.microsoft.com/office/drawing/2014/main" id="{97671C68-6BA6-4627-BF93-1934F26CFEB5}"/>
+              </a:ext>
+            </a:extLst>
+          </p:cNvPr>
+          <p:cNvSpPr>
+            <a:spLocks noGrp="1"/>
+          </p:cNvSpPr>
+          <p:nvPr>
+            <p:ph idx="1"/>
+          </p:nvPr>
+        </p:nvSpPr>
+        <p:spPr/>
+        <p:txBody>
+          <a:bodyPr/>
+          <a:lstStyle/>
+          <a:p>
+            <a:endParaRPr lang="es-ES"/>
+          </a:p>
+        </p:txBody>
+      </p:sp>
+    </p:spTree>
+    <p:extLst>
+      <p:ext uri="{BB962C8B-B14F-4D97-AF65-F5344CB8AC3E}">
+        <p14:creationId xmlns:p14="http://schemas.microsoft.com/office/powerpoint/2010/main" val="2959423781"/>
+      </p:ext>
+    </p:extLst>
+  </p:cSld>
+  <p:clrMapOvr>
+    <a:masterClrMapping/>
+  </p:clrMapOvr>
+</p:sld>
+</file>
+
+<file path=ppt/slides/slide2.xml><?xml version="1.0" encoding="utf-8"?>
+<p:sld xmlns:a="http://schemas.openxmlformats.org/drawingml/2006/main" xmlns:r="http://schemas.openxmlformats.org/officeDocument/2006/relationships" xmlns:p="http://schemas.openxmlformats.org/presentationml/2006/main">
+  <p:cSld>
+    <p:spTree>
+      <p:nvGrpSpPr>
+        <p:cNvPr id="1" name=""/>
+        <p:cNvGrpSpPr/>
+        <p:nvPr/>
+      </p:nvGrpSpPr>
+      <p:grpSpPr>
+        <a:xfrm>
+          <a:off x="0" y="0"/>
+          <a:ext cx="0" cy="0"/>
+          <a:chOff x="0" y="0"/>
+          <a:chExt cx="0" cy="0"/>
+        </a:xfrm>
+      </p:grpSpPr>
+      <p:sp>
+        <p:nvSpPr>
+          <p:cNvPr id="2" name="Título 1">
+            <a:extLst>
+              <a:ext uri="{FF2B5EF4-FFF2-40B4-BE49-F238E27FC236}">
+                <a16:creationId xmlns:a16="http://schemas.microsoft.com/office/drawing/2014/main" id="{2FAD1C79-9D7B-4016-9388-737BE80EDC70}"/>
+              </a:ext>
+            </a:extLst>
+          </p:cNvPr>
+          <p:cNvSpPr>
+            <a:spLocks noGrp="1"/>
+          </p:cNvSpPr>
+          <p:nvPr>
+            <p:ph type="title"/>
+          </p:nvPr>
+        </p:nvSpPr>
+        <p:spPr/>
+        <p:txBody>
+          <a:bodyPr/>
+          <a:lstStyle/>
+          <a:p>
+            <a:r>
+              <a:rPr lang="es-ES" dirty="0"/>
+              <a:t>Introducción</a:t>
+            </a:r>
+            <a:endParaRPr lang="en-GB" dirty="0"/>
+          </a:p>
+        </p:txBody>
+      </p:sp>
+      <p:sp>
+        <p:nvSpPr>
+          <p:cNvPr id="3" name="Marcador de contenido 2">
+            <a:extLst>
+              <a:ext uri="{FF2B5EF4-FFF2-40B4-BE49-F238E27FC236}">
+                <a16:creationId xmlns:a16="http://schemas.microsoft.com/office/drawing/2014/main" id="{FC239717-FE91-4305-91C5-83DC6B507198}"/>
+              </a:ext>
+            </a:extLst>
+          </p:cNvPr>
+          <p:cNvSpPr>
+            <a:spLocks noGrp="1"/>
+          </p:cNvSpPr>
+          <p:nvPr>
+            <p:ph idx="1"/>
+          </p:nvPr>
+        </p:nvSpPr>
+        <p:spPr/>
+        <p:txBody>
+          <a:bodyPr>
+            <a:normAutofit/>
+          </a:bodyPr>
+          <a:lstStyle/>
+          <a:p>
+            <a:r>
+              <a:rPr lang="es-ES" dirty="0"/>
+              <a:t>Análisis climático</a:t>
+            </a:r>
+          </a:p>
+          <a:p>
+            <a:pPr lvl="1"/>
+            <a:r>
+              <a:rPr lang="es-ES" dirty="0"/>
+              <a:t>Método de Grados-Día</a:t>
+            </a:r>
+          </a:p>
+          <a:p>
+            <a:r>
+              <a:rPr lang="es-ES" dirty="0"/>
+              <a:t>Análisis energético de edificios</a:t>
+            </a:r>
+          </a:p>
+          <a:p>
+            <a:pPr lvl="1"/>
+            <a:r>
+              <a:rPr lang="es-ES" dirty="0"/>
+              <a:t>PRISM</a:t>
+            </a:r>
+          </a:p>
+          <a:p>
+            <a:pPr lvl="1"/>
+            <a:r>
+              <a:rPr lang="es-ES" dirty="0"/>
+              <a:t>ASHRAE </a:t>
+            </a:r>
+            <a:r>
+              <a:rPr lang="es-ES" dirty="0" err="1"/>
+              <a:t>Changepoint</a:t>
+            </a:r>
+            <a:endParaRPr lang="es-ES" dirty="0"/>
+          </a:p>
+          <a:p>
+            <a:r>
+              <a:rPr lang="es-ES" dirty="0"/>
+              <a:t>Variables Relevantes</a:t>
+            </a:r>
+          </a:p>
+        </p:txBody>
+      </p:sp>
+    </p:spTree>
+    <p:extLst>
+      <p:ext uri="{BB962C8B-B14F-4D97-AF65-F5344CB8AC3E}">
+        <p14:creationId xmlns:p14="http://schemas.microsoft.com/office/powerpoint/2010/main" val="3572222528"/>
+      </p:ext>
+    </p:extLst>
+  </p:cSld>
+  <p:clrMapOvr>
+    <a:masterClrMapping/>
+  </p:clrMapOvr>
+</p:sld>
+</file>
+
+<file path=ppt/slides/slide20.xml><?xml version="1.0" encoding="utf-8"?>
+<p:sld xmlns:a="http://schemas.openxmlformats.org/drawingml/2006/main" xmlns:r="http://schemas.openxmlformats.org/officeDocument/2006/relationships" xmlns:p="http://schemas.openxmlformats.org/presentationml/2006/main">
+  <p:cSld>
+    <p:spTree>
+      <p:nvGrpSpPr>
+        <p:cNvPr id="1" name=""/>
+        <p:cNvGrpSpPr/>
+        <p:nvPr/>
+      </p:nvGrpSpPr>
+      <p:grpSpPr>
+        <a:xfrm>
+          <a:off x="0" y="0"/>
+          <a:ext cx="0" cy="0"/>
+          <a:chOff x="0" y="0"/>
+          <a:chExt cx="0" cy="0"/>
+        </a:xfrm>
+      </p:grpSpPr>
+      <p:sp>
+        <p:nvSpPr>
+          <p:cNvPr id="2" name="Título 1">
+            <a:extLst>
+              <a:ext uri="{FF2B5EF4-FFF2-40B4-BE49-F238E27FC236}">
+                <a16:creationId xmlns:a16="http://schemas.microsoft.com/office/drawing/2014/main" id="{2183F28B-5C9A-4383-BBBA-902B64A38B7B}"/>
+              </a:ext>
+            </a:extLst>
+          </p:cNvPr>
+          <p:cNvSpPr>
+            <a:spLocks noGrp="1"/>
+          </p:cNvSpPr>
+          <p:nvPr>
+            <p:ph type="title"/>
+          </p:nvPr>
+        </p:nvSpPr>
+        <p:spPr/>
+        <p:txBody>
+          <a:bodyPr/>
+          <a:lstStyle/>
+          <a:p>
+            <a:r>
+              <a:rPr lang="es-ES" dirty="0" err="1">
+                <a:highlight>
+                  <a:srgbClr val="FFFF00"/>
+                </a:highlight>
+              </a:rPr>
+              <a:t>Predict</a:t>
+            </a:r>
+            <a:r>
+              <a:rPr lang="es-ES" dirty="0">
+                <a:highlight>
+                  <a:srgbClr val="FFFF00"/>
+                </a:highlight>
+              </a:rPr>
+              <a:t>()</a:t>
+            </a:r>
+          </a:p>
+        </p:txBody>
+      </p:sp>
+      <p:sp>
+        <p:nvSpPr>
+          <p:cNvPr id="3" name="Marcador de contenido 2">
+            <a:extLst>
+              <a:ext uri="{FF2B5EF4-FFF2-40B4-BE49-F238E27FC236}">
+                <a16:creationId xmlns:a16="http://schemas.microsoft.com/office/drawing/2014/main" id="{02D7F58E-B2A8-49CF-BACF-BAB8CFC774CE}"/>
+              </a:ext>
+            </a:extLst>
+          </p:cNvPr>
+          <p:cNvSpPr>
+            <a:spLocks noGrp="1"/>
+          </p:cNvSpPr>
+          <p:nvPr>
+            <p:ph idx="1"/>
+          </p:nvPr>
+        </p:nvSpPr>
+        <p:spPr/>
+        <p:txBody>
+          <a:bodyPr/>
+          <a:lstStyle/>
+          <a:p>
+            <a:endParaRPr lang="es-ES"/>
+          </a:p>
+        </p:txBody>
+      </p:sp>
+    </p:spTree>
+    <p:extLst>
+      <p:ext uri="{BB962C8B-B14F-4D97-AF65-F5344CB8AC3E}">
+        <p14:creationId xmlns:p14="http://schemas.microsoft.com/office/powerpoint/2010/main" val="1881463716"/>
+      </p:ext>
+    </p:extLst>
+  </p:cSld>
+  <p:clrMapOvr>
+    <a:masterClrMapping/>
+  </p:clrMapOvr>
+</p:sld>
+</file>
+
+<file path=ppt/slides/slide21.xml><?xml version="1.0" encoding="utf-8"?>
+<p:sld xmlns:a="http://schemas.openxmlformats.org/drawingml/2006/main" xmlns:r="http://schemas.openxmlformats.org/officeDocument/2006/relationships" xmlns:p="http://schemas.openxmlformats.org/presentationml/2006/main">
+  <p:cSld>
+    <p:spTree>
+      <p:nvGrpSpPr>
+        <p:cNvPr id="1" name=""/>
+        <p:cNvGrpSpPr/>
+        <p:nvPr/>
+      </p:nvGrpSpPr>
+      <p:grpSpPr>
+        <a:xfrm>
+          <a:off x="0" y="0"/>
+          <a:ext cx="0" cy="0"/>
+          <a:chOff x="0" y="0"/>
+          <a:chExt cx="0" cy="0"/>
+        </a:xfrm>
+      </p:grpSpPr>
+      <p:sp>
+        <p:nvSpPr>
+          <p:cNvPr id="2" name="Título 1">
+            <a:extLst>
+              <a:ext uri="{FF2B5EF4-FFF2-40B4-BE49-F238E27FC236}">
                 <a16:creationId xmlns:a16="http://schemas.microsoft.com/office/drawing/2014/main" id="{7AA7784B-A5CB-4BC9-BAD7-AC16D02BE565}"/>
               </a:ext>
             </a:extLst>
@@ -4347,7 +4837,7 @@
 </p:sld>
 </file>
 
-<file path=ppt/slides/slide18.xml><?xml version="1.0" encoding="utf-8"?>
+<file path=ppt/slides/slide22.xml><?xml version="1.0" encoding="utf-8"?>
 <p:sld xmlns:a="http://schemas.openxmlformats.org/drawingml/2006/main" xmlns:r="http://schemas.openxmlformats.org/officeDocument/2006/relationships" xmlns:p="http://schemas.openxmlformats.org/presentationml/2006/main">
   <p:cSld>
     <p:spTree>
@@ -4442,7 +4932,7 @@
 </p:sld>
 </file>
 
-<file path=ppt/slides/slide19.xml><?xml version="1.0" encoding="utf-8"?>
+<file path=ppt/slides/slide23.xml><?xml version="1.0" encoding="utf-8"?>
 <p:sld xmlns:a="http://schemas.openxmlformats.org/drawingml/2006/main" xmlns:r="http://schemas.openxmlformats.org/officeDocument/2006/relationships" xmlns:p="http://schemas.openxmlformats.org/presentationml/2006/main">
   <p:cSld>
     <p:spTree>
@@ -4542,134 +5032,7 @@
 </p:sld>
 </file>
 
-<file path=ppt/slides/slide2.xml><?xml version="1.0" encoding="utf-8"?>
-<p:sld xmlns:a="http://schemas.openxmlformats.org/drawingml/2006/main" xmlns:r="http://schemas.openxmlformats.org/officeDocument/2006/relationships" xmlns:p="http://schemas.openxmlformats.org/presentationml/2006/main">
-  <p:cSld>
-    <p:spTree>
-      <p:nvGrpSpPr>
-        <p:cNvPr id="1" name=""/>
-        <p:cNvGrpSpPr/>
-        <p:nvPr/>
-      </p:nvGrpSpPr>
-      <p:grpSpPr>
-        <a:xfrm>
-          <a:off x="0" y="0"/>
-          <a:ext cx="0" cy="0"/>
-          <a:chOff x="0" y="0"/>
-          <a:chExt cx="0" cy="0"/>
-        </a:xfrm>
-      </p:grpSpPr>
-      <p:sp>
-        <p:nvSpPr>
-          <p:cNvPr id="2" name="Título 1">
-            <a:extLst>
-              <a:ext uri="{FF2B5EF4-FFF2-40B4-BE49-F238E27FC236}">
-                <a16:creationId xmlns:a16="http://schemas.microsoft.com/office/drawing/2014/main" id="{2FAD1C79-9D7B-4016-9388-737BE80EDC70}"/>
-              </a:ext>
-            </a:extLst>
-          </p:cNvPr>
-          <p:cNvSpPr>
-            <a:spLocks noGrp="1"/>
-          </p:cNvSpPr>
-          <p:nvPr>
-            <p:ph type="title"/>
-          </p:nvPr>
-        </p:nvSpPr>
-        <p:spPr/>
-        <p:txBody>
-          <a:bodyPr/>
-          <a:lstStyle/>
-          <a:p>
-            <a:r>
-              <a:rPr lang="es-ES" dirty="0"/>
-              <a:t>Introducción</a:t>
-            </a:r>
-            <a:endParaRPr lang="en-GB" dirty="0"/>
-          </a:p>
-        </p:txBody>
-      </p:sp>
-      <p:sp>
-        <p:nvSpPr>
-          <p:cNvPr id="3" name="Marcador de contenido 2">
-            <a:extLst>
-              <a:ext uri="{FF2B5EF4-FFF2-40B4-BE49-F238E27FC236}">
-                <a16:creationId xmlns:a16="http://schemas.microsoft.com/office/drawing/2014/main" id="{FC239717-FE91-4305-91C5-83DC6B507198}"/>
-              </a:ext>
-            </a:extLst>
-          </p:cNvPr>
-          <p:cNvSpPr>
-            <a:spLocks noGrp="1"/>
-          </p:cNvSpPr>
-          <p:nvPr>
-            <p:ph idx="1"/>
-          </p:nvPr>
-        </p:nvSpPr>
-        <p:spPr/>
-        <p:txBody>
-          <a:bodyPr>
-            <a:normAutofit/>
-          </a:bodyPr>
-          <a:lstStyle/>
-          <a:p>
-            <a:r>
-              <a:rPr lang="es-ES" dirty="0"/>
-              <a:t>Análisis climático</a:t>
-            </a:r>
-          </a:p>
-          <a:p>
-            <a:pPr lvl="1"/>
-            <a:r>
-              <a:rPr lang="es-ES" dirty="0"/>
-              <a:t>Método de Grados-Día</a:t>
-            </a:r>
-          </a:p>
-          <a:p>
-            <a:r>
-              <a:rPr lang="es-ES" dirty="0"/>
-              <a:t>Análisis energético de edificios</a:t>
-            </a:r>
-          </a:p>
-          <a:p>
-            <a:pPr lvl="1"/>
-            <a:r>
-              <a:rPr lang="es-ES" dirty="0"/>
-              <a:t>PRISM</a:t>
-            </a:r>
-          </a:p>
-          <a:p>
-            <a:pPr lvl="1"/>
-            <a:r>
-              <a:rPr lang="es-ES" dirty="0"/>
-              <a:t>ASHRAE </a:t>
-            </a:r>
-            <a:r>
-              <a:rPr lang="es-ES" dirty="0" err="1"/>
-              <a:t>Changepoint</a:t>
-            </a:r>
-            <a:endParaRPr lang="es-ES" dirty="0"/>
-          </a:p>
-          <a:p>
-            <a:r>
-              <a:rPr lang="es-ES" dirty="0"/>
-              <a:t>Variables Relevantes</a:t>
-            </a:r>
-          </a:p>
-        </p:txBody>
-      </p:sp>
-    </p:spTree>
-    <p:extLst>
-      <p:ext uri="{BB962C8B-B14F-4D97-AF65-F5344CB8AC3E}">
-        <p14:creationId xmlns:p14="http://schemas.microsoft.com/office/powerpoint/2010/main" val="3572222528"/>
-      </p:ext>
-    </p:extLst>
-  </p:cSld>
-  <p:clrMapOvr>
-    <a:masterClrMapping/>
-  </p:clrMapOvr>
-</p:sld>
-</file>
-
-<file path=ppt/slides/slide20.xml><?xml version="1.0" encoding="utf-8"?>
+<file path=ppt/slides/slide24.xml><?xml version="1.0" encoding="utf-8"?>
 <p:sld xmlns:a="http://schemas.openxmlformats.org/drawingml/2006/main" xmlns:r="http://schemas.openxmlformats.org/officeDocument/2006/relationships" xmlns:p="http://schemas.openxmlformats.org/presentationml/2006/main">
   <p:cSld>
     <p:spTree>

--- a/3_Presentations/Sesion_3_Practica.pptx
+++ b/3_Presentations/Sesion_3_Practica.pptx
@@ -26,9 +26,15 @@
     <p:sldId id="310" r:id="rId20"/>
     <p:sldId id="311" r:id="rId21"/>
     <p:sldId id="303" r:id="rId22"/>
-    <p:sldId id="296" r:id="rId23"/>
-    <p:sldId id="305" r:id="rId24"/>
-    <p:sldId id="306" r:id="rId25"/>
+    <p:sldId id="312" r:id="rId23"/>
+    <p:sldId id="313" r:id="rId24"/>
+    <p:sldId id="314" r:id="rId25"/>
+    <p:sldId id="315" r:id="rId26"/>
+    <p:sldId id="317" r:id="rId27"/>
+    <p:sldId id="316" r:id="rId28"/>
+    <p:sldId id="296" r:id="rId29"/>
+    <p:sldId id="305" r:id="rId30"/>
+    <p:sldId id="306" r:id="rId31"/>
   </p:sldIdLst>
   <p:sldSz cx="12192000" cy="6858000"/>
   <p:notesSz cx="6858000" cy="9144000"/>
@@ -517,7 +523,7 @@
           <a:p>
             <a:fld id="{4A42529D-B5B1-47E1-A19B-037CCFF42894}" type="datetimeFigureOut">
               <a:rPr lang="en-GB" smtClean="0"/>
-              <a:t>26/10/2021</a:t>
+              <a:t>27/10/2021</a:t>
             </a:fld>
             <a:endParaRPr lang="en-GB"/>
           </a:p>
@@ -703,7 +709,7 @@
           <a:p>
             <a:fld id="{4A42529D-B5B1-47E1-A19B-037CCFF42894}" type="datetimeFigureOut">
               <a:rPr lang="en-GB" smtClean="0"/>
-              <a:t>26/10/2021</a:t>
+              <a:t>27/10/2021</a:t>
             </a:fld>
             <a:endParaRPr lang="en-GB"/>
           </a:p>
@@ -899,7 +905,7 @@
           <a:p>
             <a:fld id="{4A42529D-B5B1-47E1-A19B-037CCFF42894}" type="datetimeFigureOut">
               <a:rPr lang="en-GB" smtClean="0"/>
-              <a:t>26/10/2021</a:t>
+              <a:t>27/10/2021</a:t>
             </a:fld>
             <a:endParaRPr lang="en-GB"/>
           </a:p>
@@ -2244,7 +2250,7 @@
           <a:p>
             <a:fld id="{4A42529D-B5B1-47E1-A19B-037CCFF42894}" type="datetimeFigureOut">
               <a:rPr lang="en-GB" smtClean="0"/>
-              <a:t>26/10/2021</a:t>
+              <a:t>27/10/2021</a:t>
             </a:fld>
             <a:endParaRPr lang="en-GB"/>
           </a:p>
@@ -2537,7 +2543,7 @@
           <a:p>
             <a:fld id="{4A42529D-B5B1-47E1-A19B-037CCFF42894}" type="datetimeFigureOut">
               <a:rPr lang="en-GB" smtClean="0"/>
-              <a:t>26/10/2021</a:t>
+              <a:t>27/10/2021</a:t>
             </a:fld>
             <a:endParaRPr lang="en-GB"/>
           </a:p>
@@ -4218,7 +4224,7 @@
                   <a:srgbClr val="FFFF00"/>
                 </a:highlight>
               </a:rPr>
-              <a:t>Lm()</a:t>
+              <a:t>lm()</a:t>
             </a:r>
           </a:p>
         </p:txBody>
@@ -4838,6 +4844,583 @@
 </file>
 
 <file path=ppt/slides/slide22.xml><?xml version="1.0" encoding="utf-8"?>
+<p:sld xmlns:a="http://schemas.openxmlformats.org/drawingml/2006/main" xmlns:r="http://schemas.openxmlformats.org/officeDocument/2006/relationships" xmlns:p="http://schemas.openxmlformats.org/presentationml/2006/main">
+  <p:cSld>
+    <p:spTree>
+      <p:nvGrpSpPr>
+        <p:cNvPr id="1" name=""/>
+        <p:cNvGrpSpPr/>
+        <p:nvPr/>
+      </p:nvGrpSpPr>
+      <p:grpSpPr>
+        <a:xfrm>
+          <a:off x="0" y="0"/>
+          <a:ext cx="0" cy="0"/>
+          <a:chOff x="0" y="0"/>
+          <a:chExt cx="0" cy="0"/>
+        </a:xfrm>
+      </p:grpSpPr>
+      <p:sp>
+        <p:nvSpPr>
+          <p:cNvPr id="2" name="Título 1">
+            <a:extLst>
+              <a:ext uri="{FF2B5EF4-FFF2-40B4-BE49-F238E27FC236}">
+                <a16:creationId xmlns:a16="http://schemas.microsoft.com/office/drawing/2014/main" id="{2183F28B-5C9A-4383-BBBA-902B64A38B7B}"/>
+              </a:ext>
+            </a:extLst>
+          </p:cNvPr>
+          <p:cNvSpPr>
+            <a:spLocks noGrp="1"/>
+          </p:cNvSpPr>
+          <p:nvPr>
+            <p:ph type="title"/>
+          </p:nvPr>
+        </p:nvSpPr>
+        <p:spPr/>
+        <p:txBody>
+          <a:bodyPr/>
+          <a:lstStyle/>
+          <a:p>
+            <a:r>
+              <a:rPr lang="es-ES" dirty="0" err="1">
+                <a:highlight>
+                  <a:srgbClr val="FFFF00"/>
+                </a:highlight>
+              </a:rPr>
+              <a:t>function</a:t>
+            </a:r>
+            <a:r>
+              <a:rPr lang="es-ES" dirty="0">
+                <a:highlight>
+                  <a:srgbClr val="FFFF00"/>
+                </a:highlight>
+              </a:rPr>
+              <a:t>()</a:t>
+            </a:r>
+          </a:p>
+        </p:txBody>
+      </p:sp>
+      <p:sp>
+        <p:nvSpPr>
+          <p:cNvPr id="3" name="Marcador de contenido 2">
+            <a:extLst>
+              <a:ext uri="{FF2B5EF4-FFF2-40B4-BE49-F238E27FC236}">
+                <a16:creationId xmlns:a16="http://schemas.microsoft.com/office/drawing/2014/main" id="{02D7F58E-B2A8-49CF-BACF-BAB8CFC774CE}"/>
+              </a:ext>
+            </a:extLst>
+          </p:cNvPr>
+          <p:cNvSpPr>
+            <a:spLocks noGrp="1"/>
+          </p:cNvSpPr>
+          <p:nvPr>
+            <p:ph idx="1"/>
+          </p:nvPr>
+        </p:nvSpPr>
+        <p:spPr/>
+        <p:txBody>
+          <a:bodyPr/>
+          <a:lstStyle/>
+          <a:p>
+            <a:endParaRPr lang="es-ES"/>
+          </a:p>
+        </p:txBody>
+      </p:sp>
+    </p:spTree>
+    <p:extLst>
+      <p:ext uri="{BB962C8B-B14F-4D97-AF65-F5344CB8AC3E}">
+        <p14:creationId xmlns:p14="http://schemas.microsoft.com/office/powerpoint/2010/main" val="1697033936"/>
+      </p:ext>
+    </p:extLst>
+  </p:cSld>
+  <p:clrMapOvr>
+    <a:masterClrMapping/>
+  </p:clrMapOvr>
+</p:sld>
+</file>
+
+<file path=ppt/slides/slide23.xml><?xml version="1.0" encoding="utf-8"?>
+<p:sld xmlns:a="http://schemas.openxmlformats.org/drawingml/2006/main" xmlns:r="http://schemas.openxmlformats.org/officeDocument/2006/relationships" xmlns:p="http://schemas.openxmlformats.org/presentationml/2006/main">
+  <p:cSld>
+    <p:spTree>
+      <p:nvGrpSpPr>
+        <p:cNvPr id="1" name=""/>
+        <p:cNvGrpSpPr/>
+        <p:nvPr/>
+      </p:nvGrpSpPr>
+      <p:grpSpPr>
+        <a:xfrm>
+          <a:off x="0" y="0"/>
+          <a:ext cx="0" cy="0"/>
+          <a:chOff x="0" y="0"/>
+          <a:chExt cx="0" cy="0"/>
+        </a:xfrm>
+      </p:grpSpPr>
+      <p:sp>
+        <p:nvSpPr>
+          <p:cNvPr id="2" name="Título 1">
+            <a:extLst>
+              <a:ext uri="{FF2B5EF4-FFF2-40B4-BE49-F238E27FC236}">
+                <a16:creationId xmlns:a16="http://schemas.microsoft.com/office/drawing/2014/main" id="{2183F28B-5C9A-4383-BBBA-902B64A38B7B}"/>
+              </a:ext>
+            </a:extLst>
+          </p:cNvPr>
+          <p:cNvSpPr>
+            <a:spLocks noGrp="1"/>
+          </p:cNvSpPr>
+          <p:nvPr>
+            <p:ph type="title"/>
+          </p:nvPr>
+        </p:nvSpPr>
+        <p:spPr/>
+        <p:txBody>
+          <a:bodyPr/>
+          <a:lstStyle/>
+          <a:p>
+            <a:r>
+              <a:rPr lang="es-ES" dirty="0">
+                <a:highlight>
+                  <a:srgbClr val="FFFF00"/>
+                </a:highlight>
+              </a:rPr>
+              <a:t>R2 &amp; MAE</a:t>
+            </a:r>
+          </a:p>
+        </p:txBody>
+      </p:sp>
+      <p:sp>
+        <p:nvSpPr>
+          <p:cNvPr id="3" name="Marcador de contenido 2">
+            <a:extLst>
+              <a:ext uri="{FF2B5EF4-FFF2-40B4-BE49-F238E27FC236}">
+                <a16:creationId xmlns:a16="http://schemas.microsoft.com/office/drawing/2014/main" id="{02D7F58E-B2A8-49CF-BACF-BAB8CFC774CE}"/>
+              </a:ext>
+            </a:extLst>
+          </p:cNvPr>
+          <p:cNvSpPr>
+            <a:spLocks noGrp="1"/>
+          </p:cNvSpPr>
+          <p:nvPr>
+            <p:ph idx="1"/>
+          </p:nvPr>
+        </p:nvSpPr>
+        <p:spPr/>
+        <p:txBody>
+          <a:bodyPr/>
+          <a:lstStyle/>
+          <a:p>
+            <a:endParaRPr lang="es-ES"/>
+          </a:p>
+        </p:txBody>
+      </p:sp>
+    </p:spTree>
+    <p:extLst>
+      <p:ext uri="{BB962C8B-B14F-4D97-AF65-F5344CB8AC3E}">
+        <p14:creationId xmlns:p14="http://schemas.microsoft.com/office/powerpoint/2010/main" val="3390969382"/>
+      </p:ext>
+    </p:extLst>
+  </p:cSld>
+  <p:clrMapOvr>
+    <a:masterClrMapping/>
+  </p:clrMapOvr>
+</p:sld>
+</file>
+
+<file path=ppt/slides/slide24.xml><?xml version="1.0" encoding="utf-8"?>
+<p:sld xmlns:a="http://schemas.openxmlformats.org/drawingml/2006/main" xmlns:r="http://schemas.openxmlformats.org/officeDocument/2006/relationships" xmlns:p="http://schemas.openxmlformats.org/presentationml/2006/main">
+  <p:cSld>
+    <p:spTree>
+      <p:nvGrpSpPr>
+        <p:cNvPr id="1" name=""/>
+        <p:cNvGrpSpPr/>
+        <p:nvPr/>
+      </p:nvGrpSpPr>
+      <p:grpSpPr>
+        <a:xfrm>
+          <a:off x="0" y="0"/>
+          <a:ext cx="0" cy="0"/>
+          <a:chOff x="0" y="0"/>
+          <a:chExt cx="0" cy="0"/>
+        </a:xfrm>
+      </p:grpSpPr>
+      <p:sp>
+        <p:nvSpPr>
+          <p:cNvPr id="2" name="Título 1">
+            <a:extLst>
+              <a:ext uri="{FF2B5EF4-FFF2-40B4-BE49-F238E27FC236}">
+                <a16:creationId xmlns:a16="http://schemas.microsoft.com/office/drawing/2014/main" id="{2183F28B-5C9A-4383-BBBA-902B64A38B7B}"/>
+              </a:ext>
+            </a:extLst>
+          </p:cNvPr>
+          <p:cNvSpPr>
+            <a:spLocks noGrp="1"/>
+          </p:cNvSpPr>
+          <p:nvPr>
+            <p:ph type="title"/>
+          </p:nvPr>
+        </p:nvSpPr>
+        <p:spPr/>
+        <p:txBody>
+          <a:bodyPr/>
+          <a:lstStyle/>
+          <a:p>
+            <a:r>
+              <a:rPr lang="es-ES" dirty="0" err="1">
+                <a:highlight>
+                  <a:srgbClr val="FFFF00"/>
+                </a:highlight>
+              </a:rPr>
+              <a:t>quantile</a:t>
+            </a:r>
+            <a:r>
+              <a:rPr lang="es-ES" dirty="0">
+                <a:highlight>
+                  <a:srgbClr val="FFFF00"/>
+                </a:highlight>
+              </a:rPr>
+              <a:t>()</a:t>
+            </a:r>
+          </a:p>
+        </p:txBody>
+      </p:sp>
+      <p:sp>
+        <p:nvSpPr>
+          <p:cNvPr id="3" name="Marcador de contenido 2">
+            <a:extLst>
+              <a:ext uri="{FF2B5EF4-FFF2-40B4-BE49-F238E27FC236}">
+                <a16:creationId xmlns:a16="http://schemas.microsoft.com/office/drawing/2014/main" id="{02D7F58E-B2A8-49CF-BACF-BAB8CFC774CE}"/>
+              </a:ext>
+            </a:extLst>
+          </p:cNvPr>
+          <p:cNvSpPr>
+            <a:spLocks noGrp="1"/>
+          </p:cNvSpPr>
+          <p:nvPr>
+            <p:ph idx="1"/>
+          </p:nvPr>
+        </p:nvSpPr>
+        <p:spPr/>
+        <p:txBody>
+          <a:bodyPr/>
+          <a:lstStyle/>
+          <a:p>
+            <a:endParaRPr lang="es-ES"/>
+          </a:p>
+        </p:txBody>
+      </p:sp>
+    </p:spTree>
+    <p:extLst>
+      <p:ext uri="{BB962C8B-B14F-4D97-AF65-F5344CB8AC3E}">
+        <p14:creationId xmlns:p14="http://schemas.microsoft.com/office/powerpoint/2010/main" val="2476114152"/>
+      </p:ext>
+    </p:extLst>
+  </p:cSld>
+  <p:clrMapOvr>
+    <a:masterClrMapping/>
+  </p:clrMapOvr>
+</p:sld>
+</file>
+
+<file path=ppt/slides/slide25.xml><?xml version="1.0" encoding="utf-8"?>
+<p:sld xmlns:a="http://schemas.openxmlformats.org/drawingml/2006/main" xmlns:r="http://schemas.openxmlformats.org/officeDocument/2006/relationships" xmlns:p="http://schemas.openxmlformats.org/presentationml/2006/main">
+  <p:cSld>
+    <p:spTree>
+      <p:nvGrpSpPr>
+        <p:cNvPr id="1" name=""/>
+        <p:cNvGrpSpPr/>
+        <p:nvPr/>
+      </p:nvGrpSpPr>
+      <p:grpSpPr>
+        <a:xfrm>
+          <a:off x="0" y="0"/>
+          <a:ext cx="0" cy="0"/>
+          <a:chOff x="0" y="0"/>
+          <a:chExt cx="0" cy="0"/>
+        </a:xfrm>
+      </p:grpSpPr>
+      <p:sp>
+        <p:nvSpPr>
+          <p:cNvPr id="2" name="Título 1">
+            <a:extLst>
+              <a:ext uri="{FF2B5EF4-FFF2-40B4-BE49-F238E27FC236}">
+                <a16:creationId xmlns:a16="http://schemas.microsoft.com/office/drawing/2014/main" id="{801C56BC-4C58-4985-B4CF-5BD463831B5F}"/>
+              </a:ext>
+            </a:extLst>
+          </p:cNvPr>
+          <p:cNvSpPr>
+            <a:spLocks noGrp="1"/>
+          </p:cNvSpPr>
+          <p:nvPr>
+            <p:ph type="title"/>
+          </p:nvPr>
+        </p:nvSpPr>
+        <p:spPr/>
+        <p:txBody>
+          <a:bodyPr/>
+          <a:lstStyle/>
+          <a:p>
+            <a:r>
+              <a:rPr lang="es-ES_tradnl" dirty="0" err="1">
+                <a:highlight>
+                  <a:srgbClr val="FFFF00"/>
+                </a:highlight>
+              </a:rPr>
+              <a:t>Changepoint</a:t>
+            </a:r>
+            <a:endParaRPr lang="es-ES" dirty="0">
+              <a:highlight>
+                <a:srgbClr val="FFFF00"/>
+              </a:highlight>
+            </a:endParaRPr>
+          </a:p>
+        </p:txBody>
+      </p:sp>
+      <p:sp>
+        <p:nvSpPr>
+          <p:cNvPr id="3" name="Marcador de contenido 2">
+            <a:extLst>
+              <a:ext uri="{FF2B5EF4-FFF2-40B4-BE49-F238E27FC236}">
+                <a16:creationId xmlns:a16="http://schemas.microsoft.com/office/drawing/2014/main" id="{26FFB6C1-8FA6-4675-A384-3B599AC3F3A5}"/>
+              </a:ext>
+            </a:extLst>
+          </p:cNvPr>
+          <p:cNvSpPr>
+            <a:spLocks noGrp="1"/>
+          </p:cNvSpPr>
+          <p:nvPr>
+            <p:ph idx="1"/>
+          </p:nvPr>
+        </p:nvSpPr>
+        <p:spPr/>
+        <p:txBody>
+          <a:bodyPr/>
+          <a:lstStyle/>
+          <a:p>
+            <a:endParaRPr lang="es-ES"/>
+          </a:p>
+        </p:txBody>
+      </p:sp>
+    </p:spTree>
+    <p:extLst>
+      <p:ext uri="{BB962C8B-B14F-4D97-AF65-F5344CB8AC3E}">
+        <p14:creationId xmlns:p14="http://schemas.microsoft.com/office/powerpoint/2010/main" val="3324831747"/>
+      </p:ext>
+    </p:extLst>
+  </p:cSld>
+  <p:clrMapOvr>
+    <a:masterClrMapping/>
+  </p:clrMapOvr>
+</p:sld>
+</file>
+
+<file path=ppt/slides/slide26.xml><?xml version="1.0" encoding="utf-8"?>
+<p:sld xmlns:a="http://schemas.openxmlformats.org/drawingml/2006/main" xmlns:r="http://schemas.openxmlformats.org/officeDocument/2006/relationships" xmlns:p="http://schemas.openxmlformats.org/presentationml/2006/main">
+  <p:cSld>
+    <p:spTree>
+      <p:nvGrpSpPr>
+        <p:cNvPr id="1" name=""/>
+        <p:cNvGrpSpPr/>
+        <p:nvPr/>
+      </p:nvGrpSpPr>
+      <p:grpSpPr>
+        <a:xfrm>
+          <a:off x="0" y="0"/>
+          <a:ext cx="0" cy="0"/>
+          <a:chOff x="0" y="0"/>
+          <a:chExt cx="0" cy="0"/>
+        </a:xfrm>
+      </p:grpSpPr>
+      <p:sp>
+        <p:nvSpPr>
+          <p:cNvPr id="2" name="Título 1">
+            <a:extLst>
+              <a:ext uri="{FF2B5EF4-FFF2-40B4-BE49-F238E27FC236}">
+                <a16:creationId xmlns:a16="http://schemas.microsoft.com/office/drawing/2014/main" id="{DAE7DD4B-587B-4451-B139-20B486818DDC}"/>
+              </a:ext>
+            </a:extLst>
+          </p:cNvPr>
+          <p:cNvSpPr>
+            <a:spLocks noGrp="1"/>
+          </p:cNvSpPr>
+          <p:nvPr>
+            <p:ph type="title"/>
+          </p:nvPr>
+        </p:nvSpPr>
+        <p:spPr/>
+        <p:txBody>
+          <a:bodyPr/>
+          <a:lstStyle/>
+          <a:p>
+            <a:r>
+              <a:rPr lang="es-ES_tradnl" dirty="0" err="1">
+                <a:highlight>
+                  <a:srgbClr val="FFFF00"/>
+                </a:highlight>
+              </a:rPr>
+              <a:t>max</a:t>
+            </a:r>
+            <a:r>
+              <a:rPr lang="es-ES_tradnl" dirty="0">
+                <a:highlight>
+                  <a:srgbClr val="FFFF00"/>
+                </a:highlight>
+              </a:rPr>
+              <a:t>() vs </a:t>
+            </a:r>
+            <a:r>
+              <a:rPr lang="es-ES_tradnl" dirty="0" err="1">
+                <a:highlight>
+                  <a:srgbClr val="FFFF00"/>
+                </a:highlight>
+              </a:rPr>
+              <a:t>pmax</a:t>
+            </a:r>
+            <a:r>
+              <a:rPr lang="es-ES_tradnl" dirty="0">
+                <a:highlight>
+                  <a:srgbClr val="FFFF00"/>
+                </a:highlight>
+              </a:rPr>
+              <a:t>()</a:t>
+            </a:r>
+            <a:endParaRPr lang="es-ES" dirty="0">
+              <a:highlight>
+                <a:srgbClr val="FFFF00"/>
+              </a:highlight>
+            </a:endParaRPr>
+          </a:p>
+        </p:txBody>
+      </p:sp>
+      <p:sp>
+        <p:nvSpPr>
+          <p:cNvPr id="3" name="Marcador de contenido 2">
+            <a:extLst>
+              <a:ext uri="{FF2B5EF4-FFF2-40B4-BE49-F238E27FC236}">
+                <a16:creationId xmlns:a16="http://schemas.microsoft.com/office/drawing/2014/main" id="{05DE7D79-925A-4B92-9D3C-6DB1010810D1}"/>
+              </a:ext>
+            </a:extLst>
+          </p:cNvPr>
+          <p:cNvSpPr>
+            <a:spLocks noGrp="1"/>
+          </p:cNvSpPr>
+          <p:nvPr>
+            <p:ph idx="1"/>
+          </p:nvPr>
+        </p:nvSpPr>
+        <p:spPr/>
+        <p:txBody>
+          <a:bodyPr/>
+          <a:lstStyle/>
+          <a:p>
+            <a:endParaRPr lang="es-ES"/>
+          </a:p>
+        </p:txBody>
+      </p:sp>
+    </p:spTree>
+    <p:extLst>
+      <p:ext uri="{BB962C8B-B14F-4D97-AF65-F5344CB8AC3E}">
+        <p14:creationId xmlns:p14="http://schemas.microsoft.com/office/powerpoint/2010/main" val="3732996418"/>
+      </p:ext>
+    </p:extLst>
+  </p:cSld>
+  <p:clrMapOvr>
+    <a:masterClrMapping/>
+  </p:clrMapOvr>
+</p:sld>
+</file>
+
+<file path=ppt/slides/slide27.xml><?xml version="1.0" encoding="utf-8"?>
+<p:sld xmlns:a="http://schemas.openxmlformats.org/drawingml/2006/main" xmlns:r="http://schemas.openxmlformats.org/officeDocument/2006/relationships" xmlns:p="http://schemas.openxmlformats.org/presentationml/2006/main">
+  <p:cSld>
+    <p:spTree>
+      <p:nvGrpSpPr>
+        <p:cNvPr id="1" name=""/>
+        <p:cNvGrpSpPr/>
+        <p:nvPr/>
+      </p:nvGrpSpPr>
+      <p:grpSpPr>
+        <a:xfrm>
+          <a:off x="0" y="0"/>
+          <a:ext cx="0" cy="0"/>
+          <a:chOff x="0" y="0"/>
+          <a:chExt cx="0" cy="0"/>
+        </a:xfrm>
+      </p:grpSpPr>
+      <p:sp>
+        <p:nvSpPr>
+          <p:cNvPr id="2" name="Título 1">
+            <a:extLst>
+              <a:ext uri="{FF2B5EF4-FFF2-40B4-BE49-F238E27FC236}">
+                <a16:creationId xmlns:a16="http://schemas.microsoft.com/office/drawing/2014/main" id="{801C56BC-4C58-4985-B4CF-5BD463831B5F}"/>
+              </a:ext>
+            </a:extLst>
+          </p:cNvPr>
+          <p:cNvSpPr>
+            <a:spLocks noGrp="1"/>
+          </p:cNvSpPr>
+          <p:nvPr>
+            <p:ph type="title"/>
+          </p:nvPr>
+        </p:nvSpPr>
+        <p:spPr/>
+        <p:txBody>
+          <a:bodyPr/>
+          <a:lstStyle/>
+          <a:p>
+            <a:r>
+              <a:rPr lang="es-ES_tradnl" dirty="0">
+                <a:highlight>
+                  <a:srgbClr val="FFFF00"/>
+                </a:highlight>
+              </a:rPr>
+              <a:t>Formulación alternativa</a:t>
+            </a:r>
+            <a:endParaRPr lang="es-ES" dirty="0">
+              <a:highlight>
+                <a:srgbClr val="FFFF00"/>
+              </a:highlight>
+            </a:endParaRPr>
+          </a:p>
+        </p:txBody>
+      </p:sp>
+      <p:sp>
+        <p:nvSpPr>
+          <p:cNvPr id="3" name="Marcador de contenido 2">
+            <a:extLst>
+              <a:ext uri="{FF2B5EF4-FFF2-40B4-BE49-F238E27FC236}">
+                <a16:creationId xmlns:a16="http://schemas.microsoft.com/office/drawing/2014/main" id="{26FFB6C1-8FA6-4675-A384-3B599AC3F3A5}"/>
+              </a:ext>
+            </a:extLst>
+          </p:cNvPr>
+          <p:cNvSpPr>
+            <a:spLocks noGrp="1"/>
+          </p:cNvSpPr>
+          <p:nvPr>
+            <p:ph idx="1"/>
+          </p:nvPr>
+        </p:nvSpPr>
+        <p:spPr/>
+        <p:txBody>
+          <a:bodyPr/>
+          <a:lstStyle/>
+          <a:p>
+            <a:endParaRPr lang="es-ES"/>
+          </a:p>
+        </p:txBody>
+      </p:sp>
+    </p:spTree>
+    <p:extLst>
+      <p:ext uri="{BB962C8B-B14F-4D97-AF65-F5344CB8AC3E}">
+        <p14:creationId xmlns:p14="http://schemas.microsoft.com/office/powerpoint/2010/main" val="2849054201"/>
+      </p:ext>
+    </p:extLst>
+  </p:cSld>
+  <p:clrMapOvr>
+    <a:masterClrMapping/>
+  </p:clrMapOvr>
+</p:sld>
+</file>
+
+<file path=ppt/slides/slide28.xml><?xml version="1.0" encoding="utf-8"?>
 <p:sld xmlns:a="http://schemas.openxmlformats.org/drawingml/2006/main" xmlns:r="http://schemas.openxmlformats.org/officeDocument/2006/relationships" xmlns:p="http://schemas.openxmlformats.org/presentationml/2006/main">
   <p:cSld>
     <p:spTree>
@@ -4932,7 +5515,7 @@
 </p:sld>
 </file>
 
-<file path=ppt/slides/slide23.xml><?xml version="1.0" encoding="utf-8"?>
+<file path=ppt/slides/slide29.xml><?xml version="1.0" encoding="utf-8"?>
 <p:sld xmlns:a="http://schemas.openxmlformats.org/drawingml/2006/main" xmlns:r="http://schemas.openxmlformats.org/officeDocument/2006/relationships" xmlns:p="http://schemas.openxmlformats.org/presentationml/2006/main">
   <p:cSld>
     <p:spTree>
@@ -5023,194 +5606,6 @@
     <p:extLst>
       <p:ext uri="{BB962C8B-B14F-4D97-AF65-F5344CB8AC3E}">
         <p14:creationId xmlns:p14="http://schemas.microsoft.com/office/powerpoint/2010/main" val="4210259360"/>
-      </p:ext>
-    </p:extLst>
-  </p:cSld>
-  <p:clrMapOvr>
-    <a:masterClrMapping/>
-  </p:clrMapOvr>
-</p:sld>
-</file>
-
-<file path=ppt/slides/slide24.xml><?xml version="1.0" encoding="utf-8"?>
-<p:sld xmlns:a="http://schemas.openxmlformats.org/drawingml/2006/main" xmlns:r="http://schemas.openxmlformats.org/officeDocument/2006/relationships" xmlns:p="http://schemas.openxmlformats.org/presentationml/2006/main">
-  <p:cSld>
-    <p:spTree>
-      <p:nvGrpSpPr>
-        <p:cNvPr id="1" name=""/>
-        <p:cNvGrpSpPr/>
-        <p:nvPr/>
-      </p:nvGrpSpPr>
-      <p:grpSpPr>
-        <a:xfrm>
-          <a:off x="0" y="0"/>
-          <a:ext cx="0" cy="0"/>
-          <a:chOff x="0" y="0"/>
-          <a:chExt cx="0" cy="0"/>
-        </a:xfrm>
-      </p:grpSpPr>
-      <p:sp>
-        <p:nvSpPr>
-          <p:cNvPr id="2" name="Título 1">
-            <a:extLst>
-              <a:ext uri="{FF2B5EF4-FFF2-40B4-BE49-F238E27FC236}">
-                <a16:creationId xmlns:a16="http://schemas.microsoft.com/office/drawing/2014/main" id="{7AA7784B-A5CB-4BC9-BAD7-AC16D02BE565}"/>
-              </a:ext>
-            </a:extLst>
-          </p:cNvPr>
-          <p:cNvSpPr>
-            <a:spLocks noGrp="1"/>
-          </p:cNvSpPr>
-          <p:nvPr>
-            <p:ph type="title"/>
-          </p:nvPr>
-        </p:nvSpPr>
-        <p:spPr/>
-        <p:txBody>
-          <a:bodyPr/>
-          <a:lstStyle/>
-          <a:p>
-            <a:r>
-              <a:rPr lang="en-GB" dirty="0"/>
-              <a:t>Variables </a:t>
-            </a:r>
-            <a:r>
-              <a:rPr lang="en-GB" dirty="0" err="1"/>
-              <a:t>Relevantes</a:t>
-            </a:r>
-            <a:r>
-              <a:rPr lang="en-GB" dirty="0"/>
-              <a:t> </a:t>
-            </a:r>
-            <a:r>
-              <a:rPr lang="es-ES" dirty="0"/>
-              <a:t>[Script 4]</a:t>
-            </a:r>
-            <a:endParaRPr lang="en-GB" dirty="0"/>
-          </a:p>
-        </p:txBody>
-      </p:sp>
-      <p:sp>
-        <p:nvSpPr>
-          <p:cNvPr id="3" name="Marcador de contenido 2">
-            <a:extLst>
-              <a:ext uri="{FF2B5EF4-FFF2-40B4-BE49-F238E27FC236}">
-                <a16:creationId xmlns:a16="http://schemas.microsoft.com/office/drawing/2014/main" id="{52181411-16DD-4714-8888-AA3FCFE00BA5}"/>
-              </a:ext>
-            </a:extLst>
-          </p:cNvPr>
-          <p:cNvSpPr>
-            <a:spLocks noGrp="1"/>
-          </p:cNvSpPr>
-          <p:nvPr>
-            <p:ph idx="1"/>
-          </p:nvPr>
-        </p:nvSpPr>
-        <p:spPr/>
-        <p:txBody>
-          <a:bodyPr>
-            <a:normAutofit/>
-          </a:bodyPr>
-          <a:lstStyle/>
-          <a:p>
-            <a:pPr marL="0" indent="0">
-              <a:buNone/>
-            </a:pPr>
-            <a:r>
-              <a:rPr lang="es-ES" sz="11500" dirty="0"/>
-              <a:t>[SCRIPT4]</a:t>
-            </a:r>
-          </a:p>
-          <a:p>
-            <a:pPr marL="0" indent="0">
-              <a:buNone/>
-            </a:pPr>
-            <a:r>
-              <a:rPr lang="es-ES" sz="1600" dirty="0">
-                <a:highlight>
-                  <a:srgbClr val="FFFF00"/>
-                </a:highlight>
-              </a:rPr>
-              <a:t>1. Instalación y activación de librerías</a:t>
-            </a:r>
-          </a:p>
-          <a:p>
-            <a:pPr marL="0" indent="0">
-              <a:buNone/>
-            </a:pPr>
-            <a:r>
-              <a:rPr lang="es-ES" sz="1600" dirty="0">
-                <a:highlight>
-                  <a:srgbClr val="FFFF00"/>
-                </a:highlight>
-              </a:rPr>
-              <a:t>2. Apertura de 1 archivo CSV</a:t>
-            </a:r>
-          </a:p>
-          <a:p>
-            <a:pPr marL="0" indent="0">
-              <a:buNone/>
-            </a:pPr>
-            <a:r>
-              <a:rPr lang="es-ES" sz="1600" dirty="0">
-                <a:highlight>
-                  <a:srgbClr val="FFFF00"/>
-                </a:highlight>
-              </a:rPr>
-              <a:t>3. Calculo de </a:t>
-            </a:r>
-            <a:r>
-              <a:rPr lang="es-ES" sz="1600" dirty="0" err="1">
-                <a:highlight>
-                  <a:srgbClr val="FFFF00"/>
-                </a:highlight>
-              </a:rPr>
-              <a:t>Heating</a:t>
-            </a:r>
-            <a:r>
-              <a:rPr lang="es-ES" sz="1600" dirty="0">
-                <a:highlight>
-                  <a:srgbClr val="FFFF00"/>
-                </a:highlight>
-              </a:rPr>
-              <a:t> </a:t>
-            </a:r>
-            <a:r>
-              <a:rPr lang="es-ES" sz="1600" dirty="0" err="1">
-                <a:highlight>
-                  <a:srgbClr val="FFFF00"/>
-                </a:highlight>
-              </a:rPr>
-              <a:t>Degree</a:t>
-            </a:r>
-            <a:r>
-              <a:rPr lang="es-ES" sz="1600" dirty="0">
-                <a:highlight>
-                  <a:srgbClr val="FFFF00"/>
-                </a:highlight>
-              </a:rPr>
-              <a:t> </a:t>
-            </a:r>
-            <a:r>
-              <a:rPr lang="es-ES" sz="1600" dirty="0" err="1">
-                <a:highlight>
-                  <a:srgbClr val="FFFF00"/>
-                </a:highlight>
-              </a:rPr>
-              <a:t>Days</a:t>
-            </a:r>
-            <a:endParaRPr lang="en-GB" sz="11500" dirty="0">
-              <a:highlight>
-                <a:srgbClr val="FFFF00"/>
-              </a:highlight>
-            </a:endParaRPr>
-          </a:p>
-        </p:txBody>
-      </p:sp>
-    </p:spTree>
-    <p:extLst>
-      <p:ext uri="{BB962C8B-B14F-4D97-AF65-F5344CB8AC3E}">
-        <p14:creationId xmlns:p14="http://schemas.microsoft.com/office/powerpoint/2010/main" val="4188609546"/>
       </p:ext>
     </p:extLst>
   </p:cSld>
@@ -6555,6 +6950,194 @@
 </p:sld>
 </file>
 
+<file path=ppt/slides/slide30.xml><?xml version="1.0" encoding="utf-8"?>
+<p:sld xmlns:a="http://schemas.openxmlformats.org/drawingml/2006/main" xmlns:r="http://schemas.openxmlformats.org/officeDocument/2006/relationships" xmlns:p="http://schemas.openxmlformats.org/presentationml/2006/main">
+  <p:cSld>
+    <p:spTree>
+      <p:nvGrpSpPr>
+        <p:cNvPr id="1" name=""/>
+        <p:cNvGrpSpPr/>
+        <p:nvPr/>
+      </p:nvGrpSpPr>
+      <p:grpSpPr>
+        <a:xfrm>
+          <a:off x="0" y="0"/>
+          <a:ext cx="0" cy="0"/>
+          <a:chOff x="0" y="0"/>
+          <a:chExt cx="0" cy="0"/>
+        </a:xfrm>
+      </p:grpSpPr>
+      <p:sp>
+        <p:nvSpPr>
+          <p:cNvPr id="2" name="Título 1">
+            <a:extLst>
+              <a:ext uri="{FF2B5EF4-FFF2-40B4-BE49-F238E27FC236}">
+                <a16:creationId xmlns:a16="http://schemas.microsoft.com/office/drawing/2014/main" id="{7AA7784B-A5CB-4BC9-BAD7-AC16D02BE565}"/>
+              </a:ext>
+            </a:extLst>
+          </p:cNvPr>
+          <p:cNvSpPr>
+            <a:spLocks noGrp="1"/>
+          </p:cNvSpPr>
+          <p:nvPr>
+            <p:ph type="title"/>
+          </p:nvPr>
+        </p:nvSpPr>
+        <p:spPr/>
+        <p:txBody>
+          <a:bodyPr/>
+          <a:lstStyle/>
+          <a:p>
+            <a:r>
+              <a:rPr lang="en-GB" dirty="0"/>
+              <a:t>Variables </a:t>
+            </a:r>
+            <a:r>
+              <a:rPr lang="en-GB" dirty="0" err="1"/>
+              <a:t>Relevantes</a:t>
+            </a:r>
+            <a:r>
+              <a:rPr lang="en-GB" dirty="0"/>
+              <a:t> </a:t>
+            </a:r>
+            <a:r>
+              <a:rPr lang="es-ES" dirty="0"/>
+              <a:t>[Script 4]</a:t>
+            </a:r>
+            <a:endParaRPr lang="en-GB" dirty="0"/>
+          </a:p>
+        </p:txBody>
+      </p:sp>
+      <p:sp>
+        <p:nvSpPr>
+          <p:cNvPr id="3" name="Marcador de contenido 2">
+            <a:extLst>
+              <a:ext uri="{FF2B5EF4-FFF2-40B4-BE49-F238E27FC236}">
+                <a16:creationId xmlns:a16="http://schemas.microsoft.com/office/drawing/2014/main" id="{52181411-16DD-4714-8888-AA3FCFE00BA5}"/>
+              </a:ext>
+            </a:extLst>
+          </p:cNvPr>
+          <p:cNvSpPr>
+            <a:spLocks noGrp="1"/>
+          </p:cNvSpPr>
+          <p:nvPr>
+            <p:ph idx="1"/>
+          </p:nvPr>
+        </p:nvSpPr>
+        <p:spPr/>
+        <p:txBody>
+          <a:bodyPr>
+            <a:normAutofit/>
+          </a:bodyPr>
+          <a:lstStyle/>
+          <a:p>
+            <a:pPr marL="0" indent="0">
+              <a:buNone/>
+            </a:pPr>
+            <a:r>
+              <a:rPr lang="es-ES" sz="11500" dirty="0"/>
+              <a:t>[SCRIPT4]</a:t>
+            </a:r>
+          </a:p>
+          <a:p>
+            <a:pPr marL="0" indent="0">
+              <a:buNone/>
+            </a:pPr>
+            <a:r>
+              <a:rPr lang="es-ES" sz="1600" dirty="0">
+                <a:highlight>
+                  <a:srgbClr val="FFFF00"/>
+                </a:highlight>
+              </a:rPr>
+              <a:t>1. Instalación y activación de librerías</a:t>
+            </a:r>
+          </a:p>
+          <a:p>
+            <a:pPr marL="0" indent="0">
+              <a:buNone/>
+            </a:pPr>
+            <a:r>
+              <a:rPr lang="es-ES" sz="1600" dirty="0">
+                <a:highlight>
+                  <a:srgbClr val="FFFF00"/>
+                </a:highlight>
+              </a:rPr>
+              <a:t>2. Apertura de 1 archivo CSV</a:t>
+            </a:r>
+          </a:p>
+          <a:p>
+            <a:pPr marL="0" indent="0">
+              <a:buNone/>
+            </a:pPr>
+            <a:r>
+              <a:rPr lang="es-ES" sz="1600" dirty="0">
+                <a:highlight>
+                  <a:srgbClr val="FFFF00"/>
+                </a:highlight>
+              </a:rPr>
+              <a:t>3. Calculo de </a:t>
+            </a:r>
+            <a:r>
+              <a:rPr lang="es-ES" sz="1600" dirty="0" err="1">
+                <a:highlight>
+                  <a:srgbClr val="FFFF00"/>
+                </a:highlight>
+              </a:rPr>
+              <a:t>Heating</a:t>
+            </a:r>
+            <a:r>
+              <a:rPr lang="es-ES" sz="1600" dirty="0">
+                <a:highlight>
+                  <a:srgbClr val="FFFF00"/>
+                </a:highlight>
+              </a:rPr>
+              <a:t> </a:t>
+            </a:r>
+            <a:r>
+              <a:rPr lang="es-ES" sz="1600" dirty="0" err="1">
+                <a:highlight>
+                  <a:srgbClr val="FFFF00"/>
+                </a:highlight>
+              </a:rPr>
+              <a:t>Degree</a:t>
+            </a:r>
+            <a:r>
+              <a:rPr lang="es-ES" sz="1600" dirty="0">
+                <a:highlight>
+                  <a:srgbClr val="FFFF00"/>
+                </a:highlight>
+              </a:rPr>
+              <a:t> </a:t>
+            </a:r>
+            <a:r>
+              <a:rPr lang="es-ES" sz="1600" dirty="0" err="1">
+                <a:highlight>
+                  <a:srgbClr val="FFFF00"/>
+                </a:highlight>
+              </a:rPr>
+              <a:t>Days</a:t>
+            </a:r>
+            <a:endParaRPr lang="en-GB" sz="11500" dirty="0">
+              <a:highlight>
+                <a:srgbClr val="FFFF00"/>
+              </a:highlight>
+            </a:endParaRPr>
+          </a:p>
+        </p:txBody>
+      </p:sp>
+    </p:spTree>
+    <p:extLst>
+      <p:ext uri="{BB962C8B-B14F-4D97-AF65-F5344CB8AC3E}">
+        <p14:creationId xmlns:p14="http://schemas.microsoft.com/office/powerpoint/2010/main" val="4188609546"/>
+      </p:ext>
+    </p:extLst>
+  </p:cSld>
+  <p:clrMapOvr>
+    <a:masterClrMapping/>
+  </p:clrMapOvr>
+</p:sld>
+</file>
+
 <file path=ppt/slides/slide4.xml><?xml version="1.0" encoding="utf-8"?>
 <p:sld xmlns:a="http://schemas.openxmlformats.org/drawingml/2006/main" xmlns:r="http://schemas.openxmlformats.org/officeDocument/2006/relationships" xmlns:p="http://schemas.openxmlformats.org/presentationml/2006/main">
   <p:cSld>
